--- a/governance-release-process/governance_process_workflow.pptx
+++ b/governance-release-process/governance_process_workflow.pptx
@@ -211,7 +211,7 @@
           <a:p>
             <a:fld id="{3A939EFE-0303-44F6-9A16-FD3B5E015DB1}" type="datetimeFigureOut">
               <a:rPr lang="en-GB" smtClean="0"/>
-              <a:t>15/06/2021</a:t>
+              <a:t>18/06/2021</a:t>
             </a:fld>
             <a:endParaRPr lang="en-GB"/>
           </a:p>
@@ -377,7 +377,7 @@
           <a:p>
             <a:fld id="{A3B926D1-0013-4A80-B64E-9D824EE65210}" type="datetimeFigureOut">
               <a:rPr lang="en-GB" smtClean="0"/>
-              <a:t>15/06/2021</a:t>
+              <a:t>18/06/2021</a:t>
             </a:fld>
             <a:endParaRPr lang="en-GB"/>
           </a:p>
@@ -10657,6 +10657,159 @@
           </a:p>
         </p:txBody>
       </p:sp>
+      <p:sp>
+        <p:nvSpPr>
+          <p:cNvPr id="133" name="Line Callout 1 (Accent Bar) 132"/>
+          <p:cNvSpPr/>
+          <p:nvPr/>
+        </p:nvSpPr>
+        <p:spPr>
+          <a:xfrm>
+            <a:off x="4699647" y="-3506765"/>
+            <a:ext cx="3067049" cy="682835"/>
+          </a:xfrm>
+          <a:prstGeom prst="accentCallout1">
+            <a:avLst>
+              <a:gd name="adj1" fmla="val 29549"/>
+              <a:gd name="adj2" fmla="val -1448"/>
+              <a:gd name="adj3" fmla="val -2042"/>
+              <a:gd name="adj4" fmla="val -16574"/>
+            </a:avLst>
+          </a:prstGeom>
+          <a:noFill/>
+          <a:ln>
+            <a:solidFill>
+              <a:schemeClr val="tx1"/>
+            </a:solidFill>
+          </a:ln>
+        </p:spPr>
+        <p:style>
+          <a:lnRef idx="2">
+            <a:schemeClr val="accent1">
+              <a:shade val="50000"/>
+            </a:schemeClr>
+          </a:lnRef>
+          <a:fillRef idx="1">
+            <a:schemeClr val="accent1"/>
+          </a:fillRef>
+          <a:effectRef idx="0">
+            <a:schemeClr val="accent1"/>
+          </a:effectRef>
+          <a:fontRef idx="minor">
+            <a:schemeClr val="lt1"/>
+          </a:fontRef>
+        </p:style>
+        <p:txBody>
+          <a:bodyPr rtlCol="0" anchor="ctr"/>
+          <a:lstStyle/>
+          <a:p>
+            <a:r>
+              <a:rPr lang="en-US" sz="1600" i="1" dirty="0" smtClean="0">
+                <a:solidFill>
+                  <a:schemeClr val="tx1"/>
+                </a:solidFill>
+                <a:latin typeface="EC Square Sans Cond Pro" panose="020B0506040000020004"/>
+              </a:rPr>
+              <a:t>Submit as GitHub issue</a:t>
+            </a:r>
+          </a:p>
+          <a:p>
+            <a:r>
+              <a:rPr lang="en-US" sz="1600" i="1" dirty="0" err="1" smtClean="0">
+                <a:solidFill>
+                  <a:schemeClr val="tx1"/>
+                </a:solidFill>
+                <a:latin typeface="EC Square Sans Cond Pro" panose="020B0506040000020004"/>
+              </a:rPr>
+              <a:t>accompagnied</a:t>
+            </a:r>
+            <a:r>
+              <a:rPr lang="en-US" sz="1600" i="1" dirty="0" smtClean="0">
+                <a:solidFill>
+                  <a:schemeClr val="tx1"/>
+                </a:solidFill>
+                <a:latin typeface="EC Square Sans Cond Pro" panose="020B0506040000020004"/>
+              </a:rPr>
+              <a:t> by GitHub pull request</a:t>
+            </a:r>
+            <a:endParaRPr lang="da-DK" sz="1600" i="1" dirty="0">
+              <a:solidFill>
+                <a:schemeClr val="tx1"/>
+              </a:solidFill>
+              <a:latin typeface="EC Square Sans Cond Pro" panose="020B0506040000020004"/>
+            </a:endParaRPr>
+          </a:p>
+        </p:txBody>
+      </p:sp>
+      <p:pic>
+        <p:nvPicPr>
+          <p:cNvPr id="134" name="Picture 133"/>
+          <p:cNvPicPr>
+            <a:picLocks noChangeAspect="1"/>
+          </p:cNvPicPr>
+          <p:nvPr/>
+        </p:nvPicPr>
+        <p:blipFill>
+          <a:blip r:embed="rId2" cstate="print">
+            <a:duotone>
+              <a:prstClr val="black"/>
+              <a:schemeClr val="tx1">
+                <a:lumMod val="60000"/>
+                <a:lumOff val="40000"/>
+                <a:tint val="45000"/>
+                <a:satMod val="400000"/>
+              </a:schemeClr>
+            </a:duotone>
+            <a:extLst>
+              <a:ext uri="{28A0092B-C50C-407E-A947-70E740481C1C}">
+                <a14:useLocalDpi xmlns:a14="http://schemas.microsoft.com/office/drawing/2010/main" val="0"/>
+              </a:ext>
+            </a:extLst>
+          </a:blip>
+          <a:stretch>
+            <a:fillRect/>
+          </a:stretch>
+        </p:blipFill>
+        <p:spPr>
+          <a:xfrm>
+            <a:off x="7625889" y="-3188562"/>
+            <a:ext cx="272728" cy="272728"/>
+          </a:xfrm>
+          <a:prstGeom prst="rect">
+            <a:avLst/>
+          </a:prstGeom>
+        </p:spPr>
+      </p:pic>
+      <p:pic>
+        <p:nvPicPr>
+          <p:cNvPr id="135" name="Picture 134"/>
+          <p:cNvPicPr>
+            <a:picLocks noChangeAspect="1"/>
+          </p:cNvPicPr>
+          <p:nvPr/>
+        </p:nvPicPr>
+        <p:blipFill>
+          <a:blip r:embed="rId3">
+            <a:extLst>
+              <a:ext uri="{28A0092B-C50C-407E-A947-70E740481C1C}">
+                <a14:useLocalDpi xmlns:a14="http://schemas.microsoft.com/office/drawing/2010/main" val="0"/>
+              </a:ext>
+            </a:extLst>
+          </a:blip>
+          <a:stretch>
+            <a:fillRect/>
+          </a:stretch>
+        </p:blipFill>
+        <p:spPr>
+          <a:xfrm>
+            <a:off x="6559386" y="-3410061"/>
+            <a:ext cx="238125" cy="238125"/>
+          </a:xfrm>
+          <a:prstGeom prst="rect">
+            <a:avLst/>
+          </a:prstGeom>
+        </p:spPr>
+      </p:pic>
     </p:spTree>
     <p:extLst>
       <p:ext uri="{BB962C8B-B14F-4D97-AF65-F5344CB8AC3E}">

--- a/governance-release-process/governance_process_workflow.pptx
+++ b/governance-release-process/governance_process_workflow.pptx
@@ -129,6 +129,410 @@
 </p:presentation>
 </file>
 
+<file path=ppt/changesInfos/changesInfo1.xml><?xml version="1.0" encoding="utf-8"?>
+<pc:chgInfo xmlns:a="http://schemas.openxmlformats.org/drawingml/2006/main" xmlns:r="http://schemas.openxmlformats.org/officeDocument/2006/relationships" xmlns:ac="http://schemas.microsoft.com/office/drawing/2013/main/command" xmlns:pc="http://schemas.microsoft.com/office/powerpoint/2013/main/command">
+  <pc:docChgLst>
+    <pc:chgData name="Fabio Vinci" userId="2a8124e690d2756c" providerId="LiveId" clId="{DAA9D501-8D83-4BE7-892D-DB39550B6510}"/>
+    <pc:docChg chg="undo custSel modSld">
+      <pc:chgData name="Fabio Vinci" userId="2a8124e690d2756c" providerId="LiveId" clId="{DAA9D501-8D83-4BE7-892D-DB39550B6510}" dt="2022-12-20T09:20:06.194" v="25" actId="1076"/>
+      <pc:docMkLst>
+        <pc:docMk/>
+      </pc:docMkLst>
+      <pc:sldChg chg="modSp mod">
+        <pc:chgData name="Fabio Vinci" userId="2a8124e690d2756c" providerId="LiveId" clId="{DAA9D501-8D83-4BE7-892D-DB39550B6510}" dt="2022-12-20T09:20:06.194" v="25" actId="1076"/>
+        <pc:sldMkLst>
+          <pc:docMk/>
+          <pc:sldMk cId="2567996149" sldId="267"/>
+        </pc:sldMkLst>
+        <pc:spChg chg="mod">
+          <ac:chgData name="Fabio Vinci" userId="2a8124e690d2756c" providerId="LiveId" clId="{DAA9D501-8D83-4BE7-892D-DB39550B6510}" dt="2022-12-13T17:20:03.921" v="17" actId="1036"/>
+          <ac:spMkLst>
+            <pc:docMk/>
+            <pc:sldMk cId="2567996149" sldId="267"/>
+            <ac:spMk id="3" creationId="{7B9DBB6C-CB4F-461D-3674-42B85C570AED}"/>
+          </ac:spMkLst>
+        </pc:spChg>
+        <pc:spChg chg="mod">
+          <ac:chgData name="Fabio Vinci" userId="2a8124e690d2756c" providerId="LiveId" clId="{DAA9D501-8D83-4BE7-892D-DB39550B6510}" dt="2022-12-13T17:19:35.110" v="2" actId="20577"/>
+          <ac:spMkLst>
+            <pc:docMk/>
+            <pc:sldMk cId="2567996149" sldId="267"/>
+            <ac:spMk id="78" creationId="{00000000-0000-0000-0000-000000000000}"/>
+          </ac:spMkLst>
+        </pc:spChg>
+        <pc:spChg chg="mod">
+          <ac:chgData name="Fabio Vinci" userId="2a8124e690d2756c" providerId="LiveId" clId="{DAA9D501-8D83-4BE7-892D-DB39550B6510}" dt="2022-12-13T17:20:26.890" v="19" actId="1037"/>
+          <ac:spMkLst>
+            <pc:docMk/>
+            <pc:sldMk cId="2567996149" sldId="267"/>
+            <ac:spMk id="81" creationId="{00000000-0000-0000-0000-000000000000}"/>
+          </ac:spMkLst>
+        </pc:spChg>
+        <pc:spChg chg="mod">
+          <ac:chgData name="Fabio Vinci" userId="2a8124e690d2756c" providerId="LiveId" clId="{DAA9D501-8D83-4BE7-892D-DB39550B6510}" dt="2022-12-20T09:19:55.446" v="23" actId="1076"/>
+          <ac:spMkLst>
+            <pc:docMk/>
+            <pc:sldMk cId="2567996149" sldId="267"/>
+            <ac:spMk id="129" creationId="{88D7C4C2-7725-B298-5216-78D7821A9DDF}"/>
+          </ac:spMkLst>
+        </pc:spChg>
+        <pc:spChg chg="mod">
+          <ac:chgData name="Fabio Vinci" userId="2a8124e690d2756c" providerId="LiveId" clId="{DAA9D501-8D83-4BE7-892D-DB39550B6510}" dt="2022-12-20T09:20:06.194" v="25" actId="1076"/>
+          <ac:spMkLst>
+            <pc:docMk/>
+            <pc:sldMk cId="2567996149" sldId="267"/>
+            <ac:spMk id="130" creationId="{C2C3AC1A-6E10-D093-B4A3-A156A0B0A998}"/>
+          </ac:spMkLst>
+        </pc:spChg>
+        <pc:spChg chg="mod">
+          <ac:chgData name="Fabio Vinci" userId="2a8124e690d2756c" providerId="LiveId" clId="{DAA9D501-8D83-4BE7-892D-DB39550B6510}" dt="2022-12-20T09:20:06.194" v="25" actId="1076"/>
+          <ac:spMkLst>
+            <pc:docMk/>
+            <pc:sldMk cId="2567996149" sldId="267"/>
+            <ac:spMk id="131" creationId="{0D8DE66E-0786-D501-ED0F-8B826BA13128}"/>
+          </ac:spMkLst>
+        </pc:spChg>
+        <pc:picChg chg="mod">
+          <ac:chgData name="Fabio Vinci" userId="2a8124e690d2756c" providerId="LiveId" clId="{DAA9D501-8D83-4BE7-892D-DB39550B6510}" dt="2022-12-13T17:19:39.088" v="13" actId="1038"/>
+          <ac:picMkLst>
+            <pc:docMk/>
+            <pc:sldMk cId="2567996149" sldId="267"/>
+            <ac:picMk id="80" creationId="{00000000-0000-0000-0000-000000000000}"/>
+          </ac:picMkLst>
+        </pc:picChg>
+        <pc:cxnChg chg="mod">
+          <ac:chgData name="Fabio Vinci" userId="2a8124e690d2756c" providerId="LiveId" clId="{DAA9D501-8D83-4BE7-892D-DB39550B6510}" dt="2022-12-20T09:19:55.446" v="23" actId="1076"/>
+          <ac:cxnSpMkLst>
+            <pc:docMk/>
+            <pc:sldMk cId="2567996149" sldId="267"/>
+            <ac:cxnSpMk id="128" creationId="{012D35A5-7EC7-9931-C964-8D655E774740}"/>
+          </ac:cxnSpMkLst>
+        </pc:cxnChg>
+        <pc:cxnChg chg="mod">
+          <ac:chgData name="Fabio Vinci" userId="2a8124e690d2756c" providerId="LiveId" clId="{DAA9D501-8D83-4BE7-892D-DB39550B6510}" dt="2022-12-20T09:19:58.234" v="24" actId="14100"/>
+          <ac:cxnSpMkLst>
+            <pc:docMk/>
+            <pc:sldMk cId="2567996149" sldId="267"/>
+            <ac:cxnSpMk id="144" creationId="{B1B789B7-758E-6953-4D76-497EE4EF8FFF}"/>
+          </ac:cxnSpMkLst>
+        </pc:cxnChg>
+      </pc:sldChg>
+    </pc:docChg>
+  </pc:docChgLst>
+  <pc:docChgLst>
+    <pc:chgData name="Fabio Vinci" userId="2a8124e690d2756c" providerId="LiveId" clId="{A1D9D04C-5B2C-44AA-A1CD-C70FCCF7D308}"/>
+    <pc:docChg chg="undo custSel addSld delSld modSld">
+      <pc:chgData name="Fabio Vinci" userId="2a8124e690d2756c" providerId="LiveId" clId="{A1D9D04C-5B2C-44AA-A1CD-C70FCCF7D308}" dt="2022-12-07T13:49:30.690" v="327" actId="1076"/>
+      <pc:docMkLst>
+        <pc:docMk/>
+      </pc:docMkLst>
+      <pc:sldChg chg="addSp delSp modSp mod">
+        <pc:chgData name="Fabio Vinci" userId="2a8124e690d2756c" providerId="LiveId" clId="{A1D9D04C-5B2C-44AA-A1CD-C70FCCF7D308}" dt="2022-12-07T13:49:30.690" v="327" actId="1076"/>
+        <pc:sldMkLst>
+          <pc:docMk/>
+          <pc:sldMk cId="2567996149" sldId="267"/>
+        </pc:sldMkLst>
+        <pc:spChg chg="add mod">
+          <ac:chgData name="Fabio Vinci" userId="2a8124e690d2756c" providerId="LiveId" clId="{A1D9D04C-5B2C-44AA-A1CD-C70FCCF7D308}" dt="2022-12-07T12:42:38.526" v="245" actId="1076"/>
+          <ac:spMkLst>
+            <pc:docMk/>
+            <pc:sldMk cId="2567996149" sldId="267"/>
+            <ac:spMk id="3" creationId="{7B9DBB6C-CB4F-461D-3674-42B85C570AED}"/>
+          </ac:spMkLst>
+        </pc:spChg>
+        <pc:spChg chg="mod">
+          <ac:chgData name="Fabio Vinci" userId="2a8124e690d2756c" providerId="LiveId" clId="{A1D9D04C-5B2C-44AA-A1CD-C70FCCF7D308}" dt="2022-12-07T13:40:10.698" v="299" actId="1076"/>
+          <ac:spMkLst>
+            <pc:docMk/>
+            <pc:sldMk cId="2567996149" sldId="267"/>
+            <ac:spMk id="4" creationId="{00000000-0000-0000-0000-000000000000}"/>
+          </ac:spMkLst>
+        </pc:spChg>
+        <pc:spChg chg="add mod">
+          <ac:chgData name="Fabio Vinci" userId="2a8124e690d2756c" providerId="LiveId" clId="{A1D9D04C-5B2C-44AA-A1CD-C70FCCF7D308}" dt="2022-12-07T12:43:40.028" v="255" actId="1076"/>
+          <ac:spMkLst>
+            <pc:docMk/>
+            <pc:sldMk cId="2567996149" sldId="267"/>
+            <ac:spMk id="29" creationId="{5A45CBD1-FE20-52C2-5FC1-A425CB7478C5}"/>
+          </ac:spMkLst>
+        </pc:spChg>
+        <pc:spChg chg="mod">
+          <ac:chgData name="Fabio Vinci" userId="2a8124e690d2756c" providerId="LiveId" clId="{A1D9D04C-5B2C-44AA-A1CD-C70FCCF7D308}" dt="2022-12-07T12:41:54.898" v="237" actId="1076"/>
+          <ac:spMkLst>
+            <pc:docMk/>
+            <pc:sldMk cId="2567996149" sldId="267"/>
+            <ac:spMk id="31" creationId="{00000000-0000-0000-0000-000000000000}"/>
+          </ac:spMkLst>
+        </pc:spChg>
+        <pc:spChg chg="mod">
+          <ac:chgData name="Fabio Vinci" userId="2a8124e690d2756c" providerId="LiveId" clId="{A1D9D04C-5B2C-44AA-A1CD-C70FCCF7D308}" dt="2022-12-07T12:39:19.497" v="180" actId="14100"/>
+          <ac:spMkLst>
+            <pc:docMk/>
+            <pc:sldMk cId="2567996149" sldId="267"/>
+            <ac:spMk id="68" creationId="{00000000-0000-0000-0000-000000000000}"/>
+          </ac:spMkLst>
+        </pc:spChg>
+        <pc:spChg chg="mod">
+          <ac:chgData name="Fabio Vinci" userId="2a8124e690d2756c" providerId="LiveId" clId="{A1D9D04C-5B2C-44AA-A1CD-C70FCCF7D308}" dt="2022-12-07T12:39:29.377" v="184" actId="14100"/>
+          <ac:spMkLst>
+            <pc:docMk/>
+            <pc:sldMk cId="2567996149" sldId="267"/>
+            <ac:spMk id="81" creationId="{00000000-0000-0000-0000-000000000000}"/>
+          </ac:spMkLst>
+        </pc:spChg>
+        <pc:spChg chg="mod">
+          <ac:chgData name="Fabio Vinci" userId="2a8124e690d2756c" providerId="LiveId" clId="{A1D9D04C-5B2C-44AA-A1CD-C70FCCF7D308}" dt="2022-12-07T12:40:51.130" v="232" actId="1036"/>
+          <ac:spMkLst>
+            <pc:docMk/>
+            <pc:sldMk cId="2567996149" sldId="267"/>
+            <ac:spMk id="88" creationId="{00000000-0000-0000-0000-000000000000}"/>
+          </ac:spMkLst>
+        </pc:spChg>
+        <pc:spChg chg="mod">
+          <ac:chgData name="Fabio Vinci" userId="2a8124e690d2756c" providerId="LiveId" clId="{A1D9D04C-5B2C-44AA-A1CD-C70FCCF7D308}" dt="2022-12-07T13:38:51.298" v="272" actId="1076"/>
+          <ac:spMkLst>
+            <pc:docMk/>
+            <pc:sldMk cId="2567996149" sldId="267"/>
+            <ac:spMk id="98" creationId="{00000000-0000-0000-0000-000000000000}"/>
+          </ac:spMkLst>
+        </pc:spChg>
+        <pc:spChg chg="mod">
+          <ac:chgData name="Fabio Vinci" userId="2a8124e690d2756c" providerId="LiveId" clId="{A1D9D04C-5B2C-44AA-A1CD-C70FCCF7D308}" dt="2022-12-07T13:49:30.690" v="327" actId="1076"/>
+          <ac:spMkLst>
+            <pc:docMk/>
+            <pc:sldMk cId="2567996149" sldId="267"/>
+            <ac:spMk id="99" creationId="{00000000-0000-0000-0000-000000000000}"/>
+          </ac:spMkLst>
+        </pc:spChg>
+        <pc:spChg chg="mod">
+          <ac:chgData name="Fabio Vinci" userId="2a8124e690d2756c" providerId="LiveId" clId="{A1D9D04C-5B2C-44AA-A1CD-C70FCCF7D308}" dt="2022-12-07T13:49:27.825" v="326" actId="1076"/>
+          <ac:spMkLst>
+            <pc:docMk/>
+            <pc:sldMk cId="2567996149" sldId="267"/>
+            <ac:spMk id="101" creationId="{00000000-0000-0000-0000-000000000000}"/>
+          </ac:spMkLst>
+        </pc:spChg>
+        <pc:spChg chg="add mod">
+          <ac:chgData name="Fabio Vinci" userId="2a8124e690d2756c" providerId="LiveId" clId="{A1D9D04C-5B2C-44AA-A1CD-C70FCCF7D308}" dt="2022-12-07T13:48:55.884" v="324" actId="1036"/>
+          <ac:spMkLst>
+            <pc:docMk/>
+            <pc:sldMk cId="2567996149" sldId="267"/>
+            <ac:spMk id="129" creationId="{88D7C4C2-7725-B298-5216-78D7821A9DDF}"/>
+          </ac:spMkLst>
+        </pc:spChg>
+        <pc:spChg chg="add mod">
+          <ac:chgData name="Fabio Vinci" userId="2a8124e690d2756c" providerId="LiveId" clId="{A1D9D04C-5B2C-44AA-A1CD-C70FCCF7D308}" dt="2022-12-07T13:48:34.683" v="311" actId="1076"/>
+          <ac:spMkLst>
+            <pc:docMk/>
+            <pc:sldMk cId="2567996149" sldId="267"/>
+            <ac:spMk id="130" creationId="{C2C3AC1A-6E10-D093-B4A3-A156A0B0A998}"/>
+          </ac:spMkLst>
+        </pc:spChg>
+        <pc:spChg chg="add mod">
+          <ac:chgData name="Fabio Vinci" userId="2a8124e690d2756c" providerId="LiveId" clId="{A1D9D04C-5B2C-44AA-A1CD-C70FCCF7D308}" dt="2022-12-07T13:48:34.683" v="311" actId="1076"/>
+          <ac:spMkLst>
+            <pc:docMk/>
+            <pc:sldMk cId="2567996149" sldId="267"/>
+            <ac:spMk id="131" creationId="{0D8DE66E-0786-D501-ED0F-8B826BA13128}"/>
+          </ac:spMkLst>
+        </pc:spChg>
+        <pc:spChg chg="add del mod">
+          <ac:chgData name="Fabio Vinci" userId="2a8124e690d2756c" providerId="LiveId" clId="{A1D9D04C-5B2C-44AA-A1CD-C70FCCF7D308}" dt="2022-12-07T13:47:59.115" v="308"/>
+          <ac:spMkLst>
+            <pc:docMk/>
+            <pc:sldMk cId="2567996149" sldId="267"/>
+            <ac:spMk id="136" creationId="{97E045AD-FFA4-9066-3E28-04B4B4970DB9}"/>
+          </ac:spMkLst>
+        </pc:spChg>
+        <pc:spChg chg="add del mod">
+          <ac:chgData name="Fabio Vinci" userId="2a8124e690d2756c" providerId="LiveId" clId="{A1D9D04C-5B2C-44AA-A1CD-C70FCCF7D308}" dt="2022-12-07T13:47:59.115" v="308"/>
+          <ac:spMkLst>
+            <pc:docMk/>
+            <pc:sldMk cId="2567996149" sldId="267"/>
+            <ac:spMk id="137" creationId="{2711B65E-DE60-54B0-18C7-C8721959846B}"/>
+          </ac:spMkLst>
+        </pc:spChg>
+        <pc:spChg chg="add del mod">
+          <ac:chgData name="Fabio Vinci" userId="2a8124e690d2756c" providerId="LiveId" clId="{A1D9D04C-5B2C-44AA-A1CD-C70FCCF7D308}" dt="2022-12-07T13:47:59.115" v="308"/>
+          <ac:spMkLst>
+            <pc:docMk/>
+            <pc:sldMk cId="2567996149" sldId="267"/>
+            <ac:spMk id="138" creationId="{B0B87ED7-42AD-9D53-958A-2F8677F93083}"/>
+          </ac:spMkLst>
+        </pc:spChg>
+        <pc:spChg chg="add del mod">
+          <ac:chgData name="Fabio Vinci" userId="2a8124e690d2756c" providerId="LiveId" clId="{A1D9D04C-5B2C-44AA-A1CD-C70FCCF7D308}" dt="2022-12-07T13:47:59.115" v="308"/>
+          <ac:spMkLst>
+            <pc:docMk/>
+            <pc:sldMk cId="2567996149" sldId="267"/>
+            <ac:spMk id="139" creationId="{12421E65-3A8B-2671-94C0-8FCE0CB75F13}"/>
+          </ac:spMkLst>
+        </pc:spChg>
+        <pc:spChg chg="add mod">
+          <ac:chgData name="Fabio Vinci" userId="2a8124e690d2756c" providerId="LiveId" clId="{A1D9D04C-5B2C-44AA-A1CD-C70FCCF7D308}" dt="2022-12-07T13:48:26.234" v="310" actId="1076"/>
+          <ac:spMkLst>
+            <pc:docMk/>
+            <pc:sldMk cId="2567996149" sldId="267"/>
+            <ac:spMk id="140" creationId="{1DF73421-7163-823F-B4B4-80E3E1B88FD1}"/>
+          </ac:spMkLst>
+        </pc:spChg>
+        <pc:spChg chg="add mod">
+          <ac:chgData name="Fabio Vinci" userId="2a8124e690d2756c" providerId="LiveId" clId="{A1D9D04C-5B2C-44AA-A1CD-C70FCCF7D308}" dt="2022-12-07T13:48:26.234" v="310" actId="1076"/>
+          <ac:spMkLst>
+            <pc:docMk/>
+            <pc:sldMk cId="2567996149" sldId="267"/>
+            <ac:spMk id="141" creationId="{656769F0-4C27-65EA-15A4-BE2BE40D3CDC}"/>
+          </ac:spMkLst>
+        </pc:spChg>
+        <pc:spChg chg="add mod">
+          <ac:chgData name="Fabio Vinci" userId="2a8124e690d2756c" providerId="LiveId" clId="{A1D9D04C-5B2C-44AA-A1CD-C70FCCF7D308}" dt="2022-12-07T13:48:26.234" v="310" actId="1076"/>
+          <ac:spMkLst>
+            <pc:docMk/>
+            <pc:sldMk cId="2567996149" sldId="267"/>
+            <ac:spMk id="142" creationId="{06F1FF6B-0B75-7FA4-E6BD-1514E43B344C}"/>
+          </ac:spMkLst>
+        </pc:spChg>
+        <pc:picChg chg="add del">
+          <ac:chgData name="Fabio Vinci" userId="2a8124e690d2756c" providerId="LiveId" clId="{A1D9D04C-5B2C-44AA-A1CD-C70FCCF7D308}" dt="2022-12-07T12:26:41.933" v="6"/>
+          <ac:picMkLst>
+            <pc:docMk/>
+            <pc:sldMk cId="2567996149" sldId="267"/>
+            <ac:picMk id="1026" creationId="{09E1C0FA-45A0-616C-6D38-85A1B2A5B014}"/>
+          </ac:picMkLst>
+        </pc:picChg>
+        <pc:cxnChg chg="mod">
+          <ac:chgData name="Fabio Vinci" userId="2a8124e690d2756c" providerId="LiveId" clId="{A1D9D04C-5B2C-44AA-A1CD-C70FCCF7D308}" dt="2022-12-07T12:45:32.968" v="270" actId="14100"/>
+          <ac:cxnSpMkLst>
+            <pc:docMk/>
+            <pc:sldMk cId="2567996149" sldId="267"/>
+            <ac:cxnSpMk id="22" creationId="{00000000-0000-0000-0000-000000000000}"/>
+          </ac:cxnSpMkLst>
+        </pc:cxnChg>
+        <pc:cxnChg chg="mod">
+          <ac:chgData name="Fabio Vinci" userId="2a8124e690d2756c" providerId="LiveId" clId="{A1D9D04C-5B2C-44AA-A1CD-C70FCCF7D308}" dt="2022-12-07T12:41:20.830" v="236" actId="33986"/>
+          <ac:cxnSpMkLst>
+            <pc:docMk/>
+            <pc:sldMk cId="2567996149" sldId="267"/>
+            <ac:cxnSpMk id="23" creationId="{00000000-0000-0000-0000-000000000000}"/>
+          </ac:cxnSpMkLst>
+        </pc:cxnChg>
+        <pc:cxnChg chg="mod">
+          <ac:chgData name="Fabio Vinci" userId="2a8124e690d2756c" providerId="LiveId" clId="{A1D9D04C-5B2C-44AA-A1CD-C70FCCF7D308}" dt="2022-12-07T12:40:51.130" v="232" actId="1036"/>
+          <ac:cxnSpMkLst>
+            <pc:docMk/>
+            <pc:sldMk cId="2567996149" sldId="267"/>
+            <ac:cxnSpMk id="38" creationId="{00000000-0000-0000-0000-000000000000}"/>
+          </ac:cxnSpMkLst>
+        </pc:cxnChg>
+        <pc:cxnChg chg="mod">
+          <ac:chgData name="Fabio Vinci" userId="2a8124e690d2756c" providerId="LiveId" clId="{A1D9D04C-5B2C-44AA-A1CD-C70FCCF7D308}" dt="2022-12-07T12:40:56.326" v="233" actId="14100"/>
+          <ac:cxnSpMkLst>
+            <pc:docMk/>
+            <pc:sldMk cId="2567996149" sldId="267"/>
+            <ac:cxnSpMk id="42" creationId="{00000000-0000-0000-0000-000000000000}"/>
+          </ac:cxnSpMkLst>
+        </pc:cxnChg>
+        <pc:cxnChg chg="add del mod">
+          <ac:chgData name="Fabio Vinci" userId="2a8124e690d2756c" providerId="LiveId" clId="{A1D9D04C-5B2C-44AA-A1CD-C70FCCF7D308}" dt="2022-12-07T12:43:22.028" v="249" actId="478"/>
+          <ac:cxnSpMkLst>
+            <pc:docMk/>
+            <pc:sldMk cId="2567996149" sldId="267"/>
+            <ac:cxnSpMk id="57" creationId="{ECCBB107-D0A1-AF13-F4D4-10F1473294B4}"/>
+          </ac:cxnSpMkLst>
+        </pc:cxnChg>
+        <pc:cxnChg chg="mod">
+          <ac:chgData name="Fabio Vinci" userId="2a8124e690d2756c" providerId="LiveId" clId="{A1D9D04C-5B2C-44AA-A1CD-C70FCCF7D308}" dt="2022-12-07T13:38:51.298" v="272" actId="1076"/>
+          <ac:cxnSpMkLst>
+            <pc:docMk/>
+            <pc:sldMk cId="2567996149" sldId="267"/>
+            <ac:cxnSpMk id="74" creationId="{00000000-0000-0000-0000-000000000000}"/>
+          </ac:cxnSpMkLst>
+        </pc:cxnChg>
+        <pc:cxnChg chg="add mod">
+          <ac:chgData name="Fabio Vinci" userId="2a8124e690d2756c" providerId="LiveId" clId="{A1D9D04C-5B2C-44AA-A1CD-C70FCCF7D308}" dt="2022-12-07T12:42:20.962" v="244" actId="14100"/>
+          <ac:cxnSpMkLst>
+            <pc:docMk/>
+            <pc:sldMk cId="2567996149" sldId="267"/>
+            <ac:cxnSpMk id="104" creationId="{B488FFA1-A78F-FE56-6191-4B6B4E4C55BE}"/>
+          </ac:cxnSpMkLst>
+        </pc:cxnChg>
+        <pc:cxnChg chg="add mod">
+          <ac:chgData name="Fabio Vinci" userId="2a8124e690d2756c" providerId="LiveId" clId="{A1D9D04C-5B2C-44AA-A1CD-C70FCCF7D308}" dt="2022-12-07T13:48:55.884" v="324" actId="1036"/>
+          <ac:cxnSpMkLst>
+            <pc:docMk/>
+            <pc:sldMk cId="2567996149" sldId="267"/>
+            <ac:cxnSpMk id="128" creationId="{012D35A5-7EC7-9931-C964-8D655E774740}"/>
+          </ac:cxnSpMkLst>
+        </pc:cxnChg>
+        <pc:cxnChg chg="add mod">
+          <ac:chgData name="Fabio Vinci" userId="2a8124e690d2756c" providerId="LiveId" clId="{A1D9D04C-5B2C-44AA-A1CD-C70FCCF7D308}" dt="2022-12-07T13:49:10.153" v="325" actId="14100"/>
+          <ac:cxnSpMkLst>
+            <pc:docMk/>
+            <pc:sldMk cId="2567996149" sldId="267"/>
+            <ac:cxnSpMk id="144" creationId="{B1B789B7-758E-6953-4D76-497EE4EF8FFF}"/>
+          </ac:cxnSpMkLst>
+        </pc:cxnChg>
+      </pc:sldChg>
+      <pc:sldChg chg="addSp modSp add del mod">
+        <pc:chgData name="Fabio Vinci" userId="2a8124e690d2756c" providerId="LiveId" clId="{A1D9D04C-5B2C-44AA-A1CD-C70FCCF7D308}" dt="2022-12-07T12:45:25.128" v="269" actId="47"/>
+        <pc:sldMkLst>
+          <pc:docMk/>
+          <pc:sldMk cId="3571956141" sldId="268"/>
+        </pc:sldMkLst>
+        <pc:spChg chg="add mod">
+          <ac:chgData name="Fabio Vinci" userId="2a8124e690d2756c" providerId="LiveId" clId="{A1D9D04C-5B2C-44AA-A1CD-C70FCCF7D308}" dt="2022-12-07T12:29:22.468" v="155" actId="1035"/>
+          <ac:spMkLst>
+            <pc:docMk/>
+            <pc:sldMk cId="3571956141" sldId="268"/>
+            <ac:spMk id="2" creationId="{A7ABC5F1-C5EA-2A3D-0E79-08F09C61679B}"/>
+          </ac:spMkLst>
+        </pc:spChg>
+        <pc:spChg chg="mod">
+          <ac:chgData name="Fabio Vinci" userId="2a8124e690d2756c" providerId="LiveId" clId="{A1D9D04C-5B2C-44AA-A1CD-C70FCCF7D308}" dt="2022-12-07T12:29:53.739" v="161" actId="1076"/>
+          <ac:spMkLst>
+            <pc:docMk/>
+            <pc:sldMk cId="3571956141" sldId="268"/>
+            <ac:spMk id="3" creationId="{7B9DBB6C-CB4F-461D-3674-42B85C570AED}"/>
+          </ac:spMkLst>
+        </pc:spChg>
+        <pc:spChg chg="mod">
+          <ac:chgData name="Fabio Vinci" userId="2a8124e690d2756c" providerId="LiveId" clId="{A1D9D04C-5B2C-44AA-A1CD-C70FCCF7D308}" dt="2022-12-07T12:29:49.636" v="160" actId="1076"/>
+          <ac:spMkLst>
+            <pc:docMk/>
+            <pc:sldMk cId="3571956141" sldId="268"/>
+            <ac:spMk id="29" creationId="{5A45CBD1-FE20-52C2-5FC1-A425CB7478C5}"/>
+          </ac:spMkLst>
+        </pc:spChg>
+        <pc:cxnChg chg="add mod">
+          <ac:chgData name="Fabio Vinci" userId="2a8124e690d2756c" providerId="LiveId" clId="{A1D9D04C-5B2C-44AA-A1CD-C70FCCF7D308}" dt="2022-12-07T12:29:49.636" v="160" actId="1076"/>
+          <ac:cxnSpMkLst>
+            <pc:docMk/>
+            <pc:sldMk cId="3571956141" sldId="268"/>
+            <ac:cxnSpMk id="28" creationId="{E1B17522-0AB6-8615-176F-C48405853A24}"/>
+          </ac:cxnSpMkLst>
+        </pc:cxnChg>
+        <pc:cxnChg chg="mod">
+          <ac:chgData name="Fabio Vinci" userId="2a8124e690d2756c" providerId="LiveId" clId="{A1D9D04C-5B2C-44AA-A1CD-C70FCCF7D308}" dt="2022-12-07T12:29:49.636" v="160" actId="1076"/>
+          <ac:cxnSpMkLst>
+            <pc:docMk/>
+            <pc:sldMk cId="3571956141" sldId="268"/>
+            <ac:cxnSpMk id="57" creationId="{ECCBB107-D0A1-AF13-F4D4-10F1473294B4}"/>
+          </ac:cxnSpMkLst>
+        </pc:cxnChg>
+        <pc:cxnChg chg="mod">
+          <ac:chgData name="Fabio Vinci" userId="2a8124e690d2756c" providerId="LiveId" clId="{A1D9D04C-5B2C-44AA-A1CD-C70FCCF7D308}" dt="2022-12-07T12:29:49.636" v="160" actId="1076"/>
+          <ac:cxnSpMkLst>
+            <pc:docMk/>
+            <pc:sldMk cId="3571956141" sldId="268"/>
+            <ac:cxnSpMk id="74" creationId="{00000000-0000-0000-0000-000000000000}"/>
+          </ac:cxnSpMkLst>
+        </pc:cxnChg>
+      </pc:sldChg>
+    </pc:docChg>
+  </pc:docChgLst>
+</pc:chgInfo>
+</file>
+
 <file path=ppt/handoutMasters/handoutMaster1.xml><?xml version="1.0" encoding="utf-8"?>
 <p:handoutMaster xmlns:a="http://schemas.openxmlformats.org/drawingml/2006/main" xmlns:r="http://schemas.openxmlformats.org/officeDocument/2006/relationships" xmlns:p="http://schemas.openxmlformats.org/presentationml/2006/main">
   <p:cSld>
@@ -211,7 +615,7 @@
           <a:p>
             <a:fld id="{3A939EFE-0303-44F6-9A16-FD3B5E015DB1}" type="datetimeFigureOut">
               <a:rPr lang="en-GB" smtClean="0"/>
-              <a:t>29/10/2021</a:t>
+              <a:t>20/12/2022</a:t>
             </a:fld>
             <a:endParaRPr lang="en-GB"/>
           </a:p>
@@ -277,7 +681,7 @@
           <a:p>
             <a:fld id="{C4F04766-77AF-4EBE-9704-229FD5F6AD6A}" type="slidenum">
               <a:rPr lang="en-GB" smtClean="0"/>
-              <a:t>‹#›</a:t>
+              <a:t>‹N›</a:t>
             </a:fld>
             <a:endParaRPr lang="en-GB"/>
           </a:p>
@@ -377,7 +781,7 @@
           <a:p>
             <a:fld id="{A3B926D1-0013-4A80-B64E-9D824EE65210}" type="datetimeFigureOut">
               <a:rPr lang="en-GB" smtClean="0"/>
-              <a:t>29/10/2021</a:t>
+              <a:t>20/12/2022</a:t>
             </a:fld>
             <a:endParaRPr lang="en-GB"/>
           </a:p>
@@ -536,7 +940,7 @@
           <a:p>
             <a:fld id="{59CF2995-AB43-4B7C-B8CD-9DC7C3692A9C}" type="slidenum">
               <a:rPr lang="en-GB" smtClean="0"/>
-              <a:t>‹#›</a:t>
+              <a:t>‹N›</a:t>
             </a:fld>
             <a:endParaRPr lang="en-GB"/>
           </a:p>
@@ -682,7 +1086,7 @@
           <a:p>
             <a:fld id="{F46C79FD-C571-418B-AB0F-5EE936C85276}" type="slidenum">
               <a:rPr lang="en-GB" smtClean="0"/>
-              <a:t>‹#›</a:t>
+              <a:t>‹N›</a:t>
             </a:fld>
             <a:endParaRPr lang="en-GB"/>
           </a:p>
@@ -849,7 +1253,7 @@
           </a:lstStyle>
           <a:p>
             <a:r>
-              <a:rPr lang="en-US" smtClean="0"/>
+              <a:rPr lang="en-US"/>
               <a:t>Click to edit Master title style</a:t>
             </a:r>
             <a:endParaRPr lang="en-GB" dirty="0"/>
@@ -1003,7 +1407,7 @@
           </a:lstStyle>
           <a:p>
             <a:r>
-              <a:rPr lang="en-US" smtClean="0"/>
+              <a:rPr lang="en-US"/>
               <a:t>Click to edit Master subtitle style</a:t>
             </a:r>
             <a:endParaRPr lang="en-GB" dirty="0"/>
@@ -1044,7 +1448,7 @@
           <a:p>
             <a:pPr lvl="0"/>
             <a:r>
-              <a:rPr lang="en-US" smtClean="0"/>
+              <a:rPr lang="en-US"/>
               <a:t>Edit Master text styles</a:t>
             </a:r>
           </a:p>
@@ -1060,7 +1464,7 @@
   <p:clrMapOvr>
     <a:masterClrMapping/>
   </p:clrMapOvr>
-  <p:extLst mod="1">
+  <p:extLst>
     <p:ext uri="{DCECCB84-F9BA-43D5-87BE-67443E8EF086}">
       <p15:sldGuideLst xmlns:p15="http://schemas.microsoft.com/office/powerpoint/2012/main">
         <p15:guide id="1" orient="horz" pos="3840" userDrawn="1">
@@ -1127,35 +1531,35 @@
           <a:p>
             <a:pPr lvl="0"/>
             <a:r>
-              <a:rPr lang="en-US" smtClean="0"/>
+              <a:rPr lang="en-US"/>
               <a:t>Edit Master text styles</a:t>
             </a:r>
           </a:p>
           <a:p>
             <a:pPr lvl="1"/>
             <a:r>
-              <a:rPr lang="en-US" smtClean="0"/>
+              <a:rPr lang="en-US"/>
               <a:t>Second level</a:t>
             </a:r>
           </a:p>
           <a:p>
             <a:pPr lvl="2"/>
             <a:r>
-              <a:rPr lang="en-US" smtClean="0"/>
+              <a:rPr lang="en-US"/>
               <a:t>Third level</a:t>
             </a:r>
           </a:p>
           <a:p>
             <a:pPr lvl="3"/>
             <a:r>
-              <a:rPr lang="en-US" smtClean="0"/>
+              <a:rPr lang="en-US"/>
               <a:t>Fourth level</a:t>
             </a:r>
           </a:p>
           <a:p>
             <a:pPr lvl="4"/>
             <a:r>
-              <a:rPr lang="en-US" smtClean="0"/>
+              <a:rPr lang="en-US"/>
               <a:t>Fifth level</a:t>
             </a:r>
             <a:endParaRPr lang="en-GB" dirty="0"/>
@@ -1186,35 +1590,35 @@
           <a:p>
             <a:pPr lvl="0"/>
             <a:r>
-              <a:rPr lang="en-US" smtClean="0"/>
+              <a:rPr lang="en-US"/>
               <a:t>Edit Master text styles</a:t>
             </a:r>
           </a:p>
           <a:p>
             <a:pPr lvl="1"/>
             <a:r>
-              <a:rPr lang="en-US" smtClean="0"/>
+              <a:rPr lang="en-US"/>
               <a:t>Second level</a:t>
             </a:r>
           </a:p>
           <a:p>
             <a:pPr lvl="2"/>
             <a:r>
-              <a:rPr lang="en-US" smtClean="0"/>
+              <a:rPr lang="en-US"/>
               <a:t>Third level</a:t>
             </a:r>
           </a:p>
           <a:p>
             <a:pPr lvl="3"/>
             <a:r>
-              <a:rPr lang="en-US" smtClean="0"/>
+              <a:rPr lang="en-US"/>
               <a:t>Fourth level</a:t>
             </a:r>
           </a:p>
           <a:p>
             <a:pPr lvl="4"/>
             <a:r>
-              <a:rPr lang="en-US" smtClean="0"/>
+              <a:rPr lang="en-US"/>
               <a:t>Fifth level</a:t>
             </a:r>
             <a:endParaRPr lang="en-GB" dirty="0"/>
@@ -1238,7 +1642,7 @@
           <a:p>
             <a:fld id="{F46C79FD-C571-418B-AB0F-5EE936C85276}" type="slidenum">
               <a:rPr lang="en-GB" smtClean="0"/>
-              <a:t>‹#›</a:t>
+              <a:t>‹N›</a:t>
             </a:fld>
             <a:endParaRPr lang="en-GB"/>
           </a:p>
@@ -1305,7 +1709,7 @@
           <a:lstStyle/>
           <a:p>
             <a:r>
-              <a:rPr lang="en-US" smtClean="0"/>
+              <a:rPr lang="en-US"/>
               <a:t>Click to edit Master title style</a:t>
             </a:r>
             <a:endParaRPr lang="en-GB" dirty="0"/>
@@ -1366,35 +1770,35 @@
           <a:p>
             <a:pPr lvl="0"/>
             <a:r>
-              <a:rPr lang="en-US" smtClean="0"/>
+              <a:rPr lang="en-US"/>
               <a:t>Edit Master text styles</a:t>
             </a:r>
           </a:p>
           <a:p>
             <a:pPr lvl="1"/>
             <a:r>
-              <a:rPr lang="en-US" smtClean="0"/>
+              <a:rPr lang="en-US"/>
               <a:t>Second level</a:t>
             </a:r>
           </a:p>
           <a:p>
             <a:pPr lvl="2"/>
             <a:r>
-              <a:rPr lang="en-US" smtClean="0"/>
+              <a:rPr lang="en-US"/>
               <a:t>Third level</a:t>
             </a:r>
           </a:p>
           <a:p>
             <a:pPr lvl="3"/>
             <a:r>
-              <a:rPr lang="en-US" smtClean="0"/>
+              <a:rPr lang="en-US"/>
               <a:t>Fourth level</a:t>
             </a:r>
           </a:p>
           <a:p>
             <a:pPr lvl="4"/>
             <a:r>
-              <a:rPr lang="en-US" smtClean="0"/>
+              <a:rPr lang="en-US"/>
               <a:t>Fifth level</a:t>
             </a:r>
             <a:endParaRPr lang="en-GB" dirty="0"/>
@@ -1420,7 +1824,7 @@
           <a:p>
             <a:fld id="{F46C79FD-C571-418B-AB0F-5EE936C85276}" type="slidenum">
               <a:rPr lang="en-GB" smtClean="0"/>
-              <a:t>‹#›</a:t>
+              <a:t>‹N›</a:t>
             </a:fld>
             <a:endParaRPr lang="en-GB"/>
           </a:p>
@@ -1450,35 +1854,35 @@
           <a:p>
             <a:pPr lvl="0"/>
             <a:r>
-              <a:rPr lang="en-US" smtClean="0"/>
+              <a:rPr lang="en-US"/>
               <a:t>Edit Master text styles</a:t>
             </a:r>
           </a:p>
           <a:p>
             <a:pPr lvl="1"/>
             <a:r>
-              <a:rPr lang="en-US" smtClean="0"/>
+              <a:rPr lang="en-US"/>
               <a:t>Second level</a:t>
             </a:r>
           </a:p>
           <a:p>
             <a:pPr lvl="2"/>
             <a:r>
-              <a:rPr lang="en-US" smtClean="0"/>
+              <a:rPr lang="en-US"/>
               <a:t>Third level</a:t>
             </a:r>
           </a:p>
           <a:p>
             <a:pPr lvl="3"/>
             <a:r>
-              <a:rPr lang="en-US" smtClean="0"/>
+              <a:rPr lang="en-US"/>
               <a:t>Fourth level</a:t>
             </a:r>
           </a:p>
           <a:p>
             <a:pPr lvl="4"/>
             <a:r>
-              <a:rPr lang="en-US" smtClean="0"/>
+              <a:rPr lang="en-US"/>
               <a:t>Fifth level</a:t>
             </a:r>
             <a:endParaRPr lang="en-GB" dirty="0"/>
@@ -1509,35 +1913,35 @@
           <a:p>
             <a:pPr lvl="0"/>
             <a:r>
-              <a:rPr lang="en-US" smtClean="0"/>
+              <a:rPr lang="en-US"/>
               <a:t>Edit Master text styles</a:t>
             </a:r>
           </a:p>
           <a:p>
             <a:pPr lvl="1"/>
             <a:r>
-              <a:rPr lang="en-US" smtClean="0"/>
+              <a:rPr lang="en-US"/>
               <a:t>Second level</a:t>
             </a:r>
           </a:p>
           <a:p>
             <a:pPr lvl="2"/>
             <a:r>
-              <a:rPr lang="en-US" smtClean="0"/>
+              <a:rPr lang="en-US"/>
               <a:t>Third level</a:t>
             </a:r>
           </a:p>
           <a:p>
             <a:pPr lvl="3"/>
             <a:r>
-              <a:rPr lang="en-US" smtClean="0"/>
+              <a:rPr lang="en-US"/>
               <a:t>Fourth level</a:t>
             </a:r>
           </a:p>
           <a:p>
             <a:pPr lvl="4"/>
             <a:r>
-              <a:rPr lang="en-US" smtClean="0"/>
+              <a:rPr lang="en-US"/>
               <a:t>Fifth level</a:t>
             </a:r>
             <a:endParaRPr lang="en-GB" dirty="0"/>
@@ -1605,7 +2009,7 @@
           <a:lstStyle/>
           <a:p>
             <a:r>
-              <a:rPr lang="en-US" smtClean="0"/>
+              <a:rPr lang="en-US"/>
               <a:t>Click to edit Master title style</a:t>
             </a:r>
             <a:endParaRPr lang="en-GB" dirty="0"/>
@@ -1707,7 +2111,7 @@
           <a:p>
             <a:pPr lvl="0"/>
             <a:r>
-              <a:rPr lang="en-US" smtClean="0"/>
+              <a:rPr lang="en-US"/>
               <a:t>Edit Master text styles</a:t>
             </a:r>
           </a:p>
@@ -1737,35 +2141,35 @@
           <a:p>
             <a:pPr lvl="0"/>
             <a:r>
-              <a:rPr lang="en-US" smtClean="0"/>
+              <a:rPr lang="en-US"/>
               <a:t>Edit Master text styles</a:t>
             </a:r>
           </a:p>
           <a:p>
             <a:pPr lvl="1"/>
             <a:r>
-              <a:rPr lang="en-US" smtClean="0"/>
+              <a:rPr lang="en-US"/>
               <a:t>Second level</a:t>
             </a:r>
           </a:p>
           <a:p>
             <a:pPr lvl="2"/>
             <a:r>
-              <a:rPr lang="en-US" smtClean="0"/>
+              <a:rPr lang="en-US"/>
               <a:t>Third level</a:t>
             </a:r>
           </a:p>
           <a:p>
             <a:pPr lvl="3"/>
             <a:r>
-              <a:rPr lang="en-US" smtClean="0"/>
+              <a:rPr lang="en-US"/>
               <a:t>Fourth level</a:t>
             </a:r>
           </a:p>
           <a:p>
             <a:pPr lvl="4"/>
             <a:r>
-              <a:rPr lang="en-US" smtClean="0"/>
+              <a:rPr lang="en-US"/>
               <a:t>Fifth level</a:t>
             </a:r>
             <a:endParaRPr lang="en-GB" dirty="0"/>
@@ -1838,7 +2242,7 @@
           <a:p>
             <a:pPr lvl="0"/>
             <a:r>
-              <a:rPr lang="en-US" smtClean="0"/>
+              <a:rPr lang="en-US"/>
               <a:t>Edit Master text styles</a:t>
             </a:r>
           </a:p>
@@ -1868,35 +2272,35 @@
           <a:p>
             <a:pPr lvl="0"/>
             <a:r>
-              <a:rPr lang="en-US" smtClean="0"/>
+              <a:rPr lang="en-US"/>
               <a:t>Edit Master text styles</a:t>
             </a:r>
           </a:p>
           <a:p>
             <a:pPr lvl="1"/>
             <a:r>
-              <a:rPr lang="en-US" smtClean="0"/>
+              <a:rPr lang="en-US"/>
               <a:t>Second level</a:t>
             </a:r>
           </a:p>
           <a:p>
             <a:pPr lvl="2"/>
             <a:r>
-              <a:rPr lang="en-US" smtClean="0"/>
+              <a:rPr lang="en-US"/>
               <a:t>Third level</a:t>
             </a:r>
           </a:p>
           <a:p>
             <a:pPr lvl="3"/>
             <a:r>
-              <a:rPr lang="en-US" smtClean="0"/>
+              <a:rPr lang="en-US"/>
               <a:t>Fourth level</a:t>
             </a:r>
           </a:p>
           <a:p>
             <a:pPr lvl="4"/>
             <a:r>
-              <a:rPr lang="en-US" smtClean="0"/>
+              <a:rPr lang="en-US"/>
               <a:t>Fifth level</a:t>
             </a:r>
             <a:endParaRPr lang="en-GB" dirty="0"/>
@@ -1922,7 +2326,7 @@
           <a:p>
             <a:fld id="{F46C79FD-C571-418B-AB0F-5EE936C85276}" type="slidenum">
               <a:rPr lang="en-GB" smtClean="0"/>
-              <a:t>‹#›</a:t>
+              <a:t>‹N›</a:t>
             </a:fld>
             <a:endParaRPr lang="en-GB"/>
           </a:p>
@@ -1989,7 +2393,7 @@
           <a:lstStyle/>
           <a:p>
             <a:r>
-              <a:rPr lang="en-US" smtClean="0"/>
+              <a:rPr lang="en-US"/>
               <a:t>Click to edit Master title style</a:t>
             </a:r>
             <a:endParaRPr lang="en-GB" dirty="0"/>
@@ -2043,7 +2447,7 @@
           <a:p>
             <a:fld id="{F46C79FD-C571-418B-AB0F-5EE936C85276}" type="slidenum">
               <a:rPr lang="en-GB" smtClean="0"/>
-              <a:t>‹#›</a:t>
+              <a:t>‹N›</a:t>
             </a:fld>
             <a:endParaRPr lang="en-GB"/>
           </a:p>
@@ -2110,7 +2514,7 @@
           <a:lstStyle/>
           <a:p>
             <a:r>
-              <a:rPr lang="en-US" smtClean="0"/>
+              <a:rPr lang="en-US"/>
               <a:t>Click to edit Master title style</a:t>
             </a:r>
             <a:endParaRPr lang="en-GB" dirty="0"/>
@@ -2176,7 +2580,7 @@
           <a:lstStyle/>
           <a:p>
             <a:r>
-              <a:rPr lang="en-US" smtClean="0"/>
+              <a:rPr lang="en-US"/>
               <a:t>Click icon to add picture</a:t>
             </a:r>
             <a:endParaRPr lang="en-GB" dirty="0"/>
@@ -2296,7 +2700,7 @@
           <a:p>
             <a:pPr lvl="0"/>
             <a:r>
-              <a:rPr lang="en-US" smtClean="0"/>
+              <a:rPr lang="en-US"/>
               <a:t>Edit Master text styles</a:t>
             </a:r>
           </a:p>
@@ -2312,7 +2716,7 @@
   <p:clrMapOvr>
     <a:masterClrMapping/>
   </p:clrMapOvr>
-  <p:extLst mod="1">
+  <p:extLst>
     <p:ext uri="{DCECCB84-F9BA-43D5-87BE-67443E8EF086}">
       <p15:sldGuideLst xmlns:p15="http://schemas.microsoft.com/office/powerpoint/2012/main">
         <p15:guide id="1" orient="horz" pos="3840" userDrawn="1">
@@ -2372,35 +2776,35 @@
           <a:p>
             <a:pPr lvl="0"/>
             <a:r>
-              <a:rPr lang="en-US" smtClean="0"/>
+              <a:rPr lang="en-US"/>
               <a:t>Edit Master text styles</a:t>
             </a:r>
           </a:p>
           <a:p>
             <a:pPr lvl="1"/>
             <a:r>
-              <a:rPr lang="en-US" smtClean="0"/>
+              <a:rPr lang="en-US"/>
               <a:t>Second level</a:t>
             </a:r>
           </a:p>
           <a:p>
             <a:pPr lvl="2"/>
             <a:r>
-              <a:rPr lang="en-US" smtClean="0"/>
+              <a:rPr lang="en-US"/>
               <a:t>Third level</a:t>
             </a:r>
           </a:p>
           <a:p>
             <a:pPr lvl="3"/>
             <a:r>
-              <a:rPr lang="en-US" smtClean="0"/>
+              <a:rPr lang="en-US"/>
               <a:t>Fourth level</a:t>
             </a:r>
           </a:p>
           <a:p>
             <a:pPr lvl="4"/>
             <a:r>
-              <a:rPr lang="en-US" smtClean="0"/>
+              <a:rPr lang="en-US"/>
               <a:t>Fifth level</a:t>
             </a:r>
             <a:endParaRPr lang="en-GB" dirty="0"/>
@@ -2424,7 +2828,7 @@
           <a:p>
             <a:fld id="{F46C79FD-C571-418B-AB0F-5EE936C85276}" type="slidenum">
               <a:rPr lang="en-GB" smtClean="0"/>
-              <a:t>‹#›</a:t>
+              <a:t>‹N›</a:t>
             </a:fld>
             <a:endParaRPr lang="en-GB"/>
           </a:p>
@@ -2456,7 +2860,7 @@
           <a:lstStyle/>
           <a:p>
             <a:r>
-              <a:rPr lang="en-US" smtClean="0"/>
+              <a:rPr lang="en-US"/>
               <a:t>Click to edit Master title style</a:t>
             </a:r>
             <a:endParaRPr lang="en-GB" dirty="0"/>
@@ -2492,7 +2896,7 @@
           <a:lstStyle/>
           <a:p>
             <a:r>
-              <a:rPr lang="en-US" smtClean="0"/>
+              <a:rPr lang="en-US"/>
               <a:t>Click icon to add picture</a:t>
             </a:r>
             <a:endParaRPr lang="en-GB" dirty="0"/>
@@ -2509,7 +2913,7 @@
   <p:clrMapOvr>
     <a:masterClrMapping/>
   </p:clrMapOvr>
-  <p:extLst mod="1">
+  <p:extLst>
     <p:ext uri="{DCECCB84-F9BA-43D5-87BE-67443E8EF086}">
       <p15:sldGuideLst xmlns:p15="http://schemas.microsoft.com/office/powerpoint/2012/main">
         <p15:guide id="1" orient="horz" pos="3840" userDrawn="1">
@@ -2562,7 +2966,7 @@
           <a:p>
             <a:fld id="{F46C79FD-C571-418B-AB0F-5EE936C85276}" type="slidenum">
               <a:rPr lang="en-GB" smtClean="0"/>
-              <a:t>‹#›</a:t>
+              <a:t>‹N›</a:t>
             </a:fld>
             <a:endParaRPr lang="en-GB"/>
           </a:p>
@@ -2629,7 +3033,7 @@
           <a:lstStyle/>
           <a:p>
             <a:r>
-              <a:rPr lang="en-US" smtClean="0"/>
+              <a:rPr lang="en-US"/>
               <a:t>Click to edit Master title style</a:t>
             </a:r>
             <a:endParaRPr lang="en-GB" dirty="0"/>
@@ -2660,7 +3064,7 @@
           <a:lstStyle/>
           <a:p>
             <a:r>
-              <a:rPr lang="en-US" smtClean="0"/>
+              <a:rPr lang="en-US"/>
               <a:t>Click icon to add picture</a:t>
             </a:r>
             <a:endParaRPr lang="en-GB"/>
@@ -2691,7 +3095,7 @@
           <a:lstStyle/>
           <a:p>
             <a:r>
-              <a:rPr lang="en-US" smtClean="0"/>
+              <a:rPr lang="en-US"/>
               <a:t>Click icon to add picture</a:t>
             </a:r>
             <a:endParaRPr lang="en-GB"/>
@@ -2722,7 +3126,7 @@
           <a:lstStyle/>
           <a:p>
             <a:r>
-              <a:rPr lang="en-US" smtClean="0"/>
+              <a:rPr lang="en-US"/>
               <a:t>Click icon to add picture</a:t>
             </a:r>
             <a:endParaRPr lang="en-GB"/>
@@ -2759,7 +3163,7 @@
           <a:p>
             <a:pPr lvl="0"/>
             <a:r>
-              <a:rPr lang="en-US" smtClean="0"/>
+              <a:rPr lang="en-US"/>
               <a:t>Edit Master text styles</a:t>
             </a:r>
           </a:p>
@@ -2795,7 +3199,7 @@
           <a:p>
             <a:pPr lvl="0"/>
             <a:r>
-              <a:rPr lang="en-US" smtClean="0"/>
+              <a:rPr lang="en-US"/>
               <a:t>Edit Master text styles</a:t>
             </a:r>
           </a:p>
@@ -2831,7 +3235,7 @@
           <a:p>
             <a:pPr lvl="0"/>
             <a:r>
-              <a:rPr lang="en-US" smtClean="0"/>
+              <a:rPr lang="en-US"/>
               <a:t>Edit Master text styles</a:t>
             </a:r>
           </a:p>
@@ -2884,7 +3288,7 @@
           <a:p>
             <a:fld id="{F46C79FD-C571-418B-AB0F-5EE936C85276}" type="slidenum">
               <a:rPr lang="en-GB" smtClean="0"/>
-              <a:t>‹#›</a:t>
+              <a:t>‹N›</a:t>
             </a:fld>
             <a:endParaRPr lang="en-GB"/>
           </a:p>
@@ -2951,7 +3355,7 @@
           <a:lstStyle/>
           <a:p>
             <a:r>
-              <a:rPr lang="en-US" smtClean="0"/>
+              <a:rPr lang="en-US"/>
               <a:t>Click to edit Master title style</a:t>
             </a:r>
             <a:endParaRPr lang="en-GB" dirty="0"/>
@@ -2982,7 +3386,7 @@
           <a:lstStyle/>
           <a:p>
             <a:r>
-              <a:rPr lang="en-US" smtClean="0"/>
+              <a:rPr lang="en-US"/>
               <a:t>Click icon to add picture</a:t>
             </a:r>
             <a:endParaRPr lang="en-GB"/>
@@ -3013,7 +3417,7 @@
           <a:lstStyle/>
           <a:p>
             <a:r>
-              <a:rPr lang="en-US" smtClean="0"/>
+              <a:rPr lang="en-US"/>
               <a:t>Click icon to add picture</a:t>
             </a:r>
             <a:endParaRPr lang="en-GB"/>
@@ -3044,7 +3448,7 @@
           <a:lstStyle/>
           <a:p>
             <a:r>
-              <a:rPr lang="en-US" smtClean="0"/>
+              <a:rPr lang="en-US"/>
               <a:t>Click icon to add picture</a:t>
             </a:r>
             <a:endParaRPr lang="en-GB"/>
@@ -3079,7 +3483,7 @@
           <a:p>
             <a:pPr lvl="0"/>
             <a:r>
-              <a:rPr lang="en-US" smtClean="0"/>
+              <a:rPr lang="en-US"/>
               <a:t>Edit Master text styles</a:t>
             </a:r>
           </a:p>
@@ -3113,7 +3517,7 @@
           <a:p>
             <a:pPr lvl="0"/>
             <a:r>
-              <a:rPr lang="en-US" smtClean="0"/>
+              <a:rPr lang="en-US"/>
               <a:t>Edit Master text styles</a:t>
             </a:r>
           </a:p>
@@ -3143,7 +3547,7 @@
           <a:lstStyle/>
           <a:p>
             <a:r>
-              <a:rPr lang="en-US" smtClean="0"/>
+              <a:rPr lang="en-US"/>
               <a:t>Click icon to add picture</a:t>
             </a:r>
             <a:endParaRPr lang="en-GB"/>
@@ -3178,7 +3582,7 @@
           <a:p>
             <a:pPr lvl="0"/>
             <a:r>
-              <a:rPr lang="en-US" smtClean="0"/>
+              <a:rPr lang="en-US"/>
               <a:t>Edit Master text styles</a:t>
             </a:r>
           </a:p>
@@ -3212,7 +3616,7 @@
           <a:p>
             <a:pPr lvl="0"/>
             <a:r>
-              <a:rPr lang="en-US" smtClean="0"/>
+              <a:rPr lang="en-US"/>
               <a:t>Edit Master text styles</a:t>
             </a:r>
           </a:p>
@@ -3272,7 +3676,7 @@
           <a:lstStyle/>
           <a:p>
             <a:r>
-              <a:rPr lang="en-US" smtClean="0"/>
+              <a:rPr lang="en-US"/>
               <a:t>Click icon to add picture</a:t>
             </a:r>
             <a:endParaRPr lang="en-GB"/>
@@ -3303,7 +3707,7 @@
           <a:lstStyle/>
           <a:p>
             <a:r>
-              <a:rPr lang="en-US" smtClean="0"/>
+              <a:rPr lang="en-US"/>
               <a:t>Click to edit Master title style</a:t>
             </a:r>
             <a:endParaRPr lang="en-GB"/>
@@ -3328,7 +3732,7 @@
             <a:fld id="{F46C79FD-C571-418B-AB0F-5EE936C85276}" type="slidenum">
               <a:rPr lang="en-GB" smtClean="0"/>
               <a:pPr/>
-              <a:t>‹#›</a:t>
+              <a:t>‹N›</a:t>
             </a:fld>
             <a:endParaRPr lang="en-GB" dirty="0"/>
           </a:p>
@@ -3356,35 +3760,35 @@
           <a:p>
             <a:pPr lvl="0"/>
             <a:r>
-              <a:rPr lang="en-US" smtClean="0"/>
+              <a:rPr lang="en-US"/>
               <a:t>Edit Master text styles</a:t>
             </a:r>
           </a:p>
           <a:p>
             <a:pPr lvl="1"/>
             <a:r>
-              <a:rPr lang="en-US" smtClean="0"/>
+              <a:rPr lang="en-US"/>
               <a:t>Second level</a:t>
             </a:r>
           </a:p>
           <a:p>
             <a:pPr lvl="2"/>
             <a:r>
-              <a:rPr lang="en-US" smtClean="0"/>
+              <a:rPr lang="en-US"/>
               <a:t>Third level</a:t>
             </a:r>
           </a:p>
           <a:p>
             <a:pPr lvl="3"/>
             <a:r>
-              <a:rPr lang="en-US" smtClean="0"/>
+              <a:rPr lang="en-US"/>
               <a:t>Fourth level</a:t>
             </a:r>
           </a:p>
           <a:p>
             <a:pPr lvl="4"/>
             <a:r>
-              <a:rPr lang="en-US" smtClean="0"/>
+              <a:rPr lang="en-US"/>
               <a:t>Fifth level</a:t>
             </a:r>
             <a:endParaRPr lang="en-GB" dirty="0"/>
@@ -3401,7 +3805,7 @@
   <p:clrMapOvr>
     <a:masterClrMapping/>
   </p:clrMapOvr>
-  <p:extLst mod="1">
+  <p:extLst>
     <p:ext uri="{DCECCB84-F9BA-43D5-87BE-67443E8EF086}">
       <p15:sldGuideLst xmlns:p15="http://schemas.microsoft.com/office/powerpoint/2012/main">
         <p15:guide id="1" orient="horz" pos="3840" userDrawn="1">
@@ -3454,7 +3858,7 @@
           <a:p>
             <a:fld id="{F46C79FD-C571-418B-AB0F-5EE936C85276}" type="slidenum">
               <a:rPr lang="en-GB" smtClean="0"/>
-              <a:t>‹#›</a:t>
+              <a:t>‹N›</a:t>
             </a:fld>
             <a:endParaRPr lang="en-GB"/>
           </a:p>
@@ -3538,7 +3942,7 @@
           <a:p>
             <a:fld id="{F46C79FD-C571-418B-AB0F-5EE936C85276}" type="slidenum">
               <a:rPr lang="en-GB" smtClean="0"/>
-              <a:t>‹#›</a:t>
+              <a:t>‹N›</a:t>
             </a:fld>
             <a:endParaRPr lang="en-GB"/>
           </a:p>
@@ -3705,7 +4109,7 @@
           </a:lstStyle>
           <a:p>
             <a:r>
-              <a:rPr lang="en-US" smtClean="0"/>
+              <a:rPr lang="en-US"/>
               <a:t>Click to edit Master title style</a:t>
             </a:r>
             <a:endParaRPr lang="en-GB" dirty="0"/>
@@ -3859,7 +4263,7 @@
           </a:lstStyle>
           <a:p>
             <a:r>
-              <a:rPr lang="en-US" smtClean="0"/>
+              <a:rPr lang="en-US"/>
               <a:t>Click to edit Master subtitle style</a:t>
             </a:r>
             <a:endParaRPr lang="en-GB" dirty="0"/>
@@ -3900,7 +4304,7 @@
           <a:p>
             <a:pPr lvl="0"/>
             <a:r>
-              <a:rPr lang="en-US" smtClean="0"/>
+              <a:rPr lang="en-US"/>
               <a:t>Edit Master text styles</a:t>
             </a:r>
           </a:p>
@@ -3916,7 +4320,7 @@
   <p:clrMapOvr>
     <a:masterClrMapping/>
   </p:clrMapOvr>
-  <p:extLst mod="1">
+  <p:extLst>
     <p:ext uri="{DCECCB84-F9BA-43D5-87BE-67443E8EF086}">
       <p15:sldGuideLst xmlns:p15="http://schemas.microsoft.com/office/powerpoint/2012/main">
         <p15:guide id="1" orient="horz" pos="3840" userDrawn="1">
@@ -4115,7 +4519,7 @@
           </a:lstStyle>
           <a:p>
             <a:r>
-              <a:rPr lang="en-US" smtClean="0"/>
+              <a:rPr lang="en-US"/>
               <a:t>Click to edit Master title style</a:t>
             </a:r>
             <a:endParaRPr lang="en-GB" dirty="0"/>
@@ -4269,7 +4673,7 @@
           </a:lstStyle>
           <a:p>
             <a:r>
-              <a:rPr lang="en-US" smtClean="0"/>
+              <a:rPr lang="en-US"/>
               <a:t>Click to edit Master subtitle style</a:t>
             </a:r>
             <a:endParaRPr lang="en-GB" dirty="0"/>
@@ -4340,7 +4744,7 @@
           <a:p>
             <a:pPr lvl="0"/>
             <a:r>
-              <a:rPr lang="en-US" smtClean="0"/>
+              <a:rPr lang="en-US"/>
               <a:t>Edit Master text styles</a:t>
             </a:r>
           </a:p>
@@ -4356,7 +4760,7 @@
   <p:clrMapOvr>
     <a:masterClrMapping/>
   </p:clrMapOvr>
-  <p:extLst mod="1">
+  <p:extLst>
     <p:ext uri="{DCECCB84-F9BA-43D5-87BE-67443E8EF086}">
       <p15:sldGuideLst xmlns:p15="http://schemas.microsoft.com/office/powerpoint/2012/main">
         <p15:guide id="1" orient="horz" pos="3840" userDrawn="1">
@@ -4471,7 +4875,7 @@
           </a:lstStyle>
           <a:p>
             <a:r>
-              <a:rPr lang="en-US" smtClean="0"/>
+              <a:rPr lang="en-US"/>
               <a:t>Click to edit Master title style</a:t>
             </a:r>
             <a:endParaRPr lang="en-GB" dirty="0"/>
@@ -4542,7 +4946,7 @@
           </a:lstStyle>
           <a:p>
             <a:r>
-              <a:rPr lang="en-US" smtClean="0"/>
+              <a:rPr lang="en-US"/>
               <a:t>Click to edit Master subtitle style</a:t>
             </a:r>
             <a:endParaRPr lang="en-GB" dirty="0"/>
@@ -4577,7 +4981,7 @@
             <a:fld id="{F46C79FD-C571-418B-AB0F-5EE936C85276}" type="slidenum">
               <a:rPr lang="en-GB" smtClean="0"/>
               <a:pPr/>
-              <a:t>‹#›</a:t>
+              <a:t>‹N›</a:t>
             </a:fld>
             <a:endParaRPr lang="en-GB" dirty="0"/>
           </a:p>
@@ -4745,7 +5149,7 @@
           <a:p>
             <a:fld id="{F46C79FD-C571-418B-AB0F-5EE936C85276}" type="slidenum">
               <a:rPr lang="en-GB" smtClean="0"/>
-              <a:t>‹#›</a:t>
+              <a:t>‹N›</a:t>
             </a:fld>
             <a:endParaRPr lang="en-GB"/>
           </a:p>
@@ -4812,7 +5216,7 @@
           </a:lstStyle>
           <a:p>
             <a:r>
-              <a:rPr lang="en-US" smtClean="0"/>
+              <a:rPr lang="en-US"/>
               <a:t>Click to edit Master title style</a:t>
             </a:r>
             <a:endParaRPr lang="en-GB" dirty="0"/>
@@ -4918,7 +5322,7 @@
           </a:lstStyle>
           <a:p>
             <a:r>
-              <a:rPr lang="en-US" smtClean="0"/>
+              <a:rPr lang="en-US"/>
               <a:t>Click to edit Master subtitle style</a:t>
             </a:r>
             <a:endParaRPr lang="en-GB" dirty="0"/>
@@ -5022,7 +5426,7 @@
           <a:p>
             <a:fld id="{F46C79FD-C571-418B-AB0F-5EE936C85276}" type="slidenum">
               <a:rPr lang="en-GB" smtClean="0"/>
-              <a:t>‹#›</a:t>
+              <a:t>‹N›</a:t>
             </a:fld>
             <a:endParaRPr lang="en-GB"/>
           </a:p>
@@ -5059,7 +5463,7 @@
           </a:lstStyle>
           <a:p>
             <a:r>
-              <a:rPr lang="en-US" smtClean="0"/>
+              <a:rPr lang="en-US"/>
               <a:t>Click to edit Master title style</a:t>
             </a:r>
             <a:endParaRPr lang="en-GB" dirty="0"/>
@@ -5167,7 +5571,7 @@
           </a:lstStyle>
           <a:p>
             <a:r>
-              <a:rPr lang="en-US" smtClean="0"/>
+              <a:rPr lang="en-US"/>
               <a:t>Click to edit Master subtitle style</a:t>
             </a:r>
             <a:endParaRPr lang="en-GB" dirty="0"/>
@@ -5184,7 +5588,7 @@
   <p:clrMapOvr>
     <a:masterClrMapping/>
   </p:clrMapOvr>
-  <p:extLst mod="1">
+  <p:extLst>
     <p:ext uri="{DCECCB84-F9BA-43D5-87BE-67443E8EF086}">
       <p15:sldGuideLst xmlns:p15="http://schemas.microsoft.com/office/powerpoint/2012/main">
         <p15:guide id="1" orient="horz" pos="3840" userDrawn="1">
@@ -5287,7 +5691,7 @@
           <a:p>
             <a:fld id="{F46C79FD-C571-418B-AB0F-5EE936C85276}" type="slidenum">
               <a:rPr lang="en-GB" smtClean="0"/>
-              <a:t>‹#›</a:t>
+              <a:t>‹N›</a:t>
             </a:fld>
             <a:endParaRPr lang="en-GB"/>
           </a:p>
@@ -5324,7 +5728,7 @@
           </a:lstStyle>
           <a:p>
             <a:r>
-              <a:rPr lang="en-US" smtClean="0"/>
+              <a:rPr lang="en-US"/>
               <a:t>Click to edit Master title style</a:t>
             </a:r>
             <a:endParaRPr lang="en-GB" dirty="0"/>
@@ -5432,7 +5836,7 @@
           </a:lstStyle>
           <a:p>
             <a:r>
-              <a:rPr lang="en-US" smtClean="0"/>
+              <a:rPr lang="en-US"/>
               <a:t>Click to edit Master subtitle style</a:t>
             </a:r>
             <a:endParaRPr lang="en-GB" dirty="0"/>
@@ -5449,7 +5853,7 @@
   <p:clrMapOvr>
     <a:masterClrMapping/>
   </p:clrMapOvr>
-  <p:extLst mod="1">
+  <p:extLst>
     <p:ext uri="{DCECCB84-F9BA-43D5-87BE-67443E8EF086}">
       <p15:sldGuideLst xmlns:p15="http://schemas.microsoft.com/office/powerpoint/2012/main">
         <p15:guide id="1" orient="horz" pos="3840" userDrawn="1">
@@ -5558,35 +5962,35 @@
           <a:p>
             <a:pPr lvl="0"/>
             <a:r>
-              <a:rPr lang="en-US" smtClean="0"/>
+              <a:rPr lang="en-US"/>
               <a:t>Edit Master text styles</a:t>
             </a:r>
           </a:p>
           <a:p>
             <a:pPr lvl="1"/>
             <a:r>
-              <a:rPr lang="en-US" smtClean="0"/>
+              <a:rPr lang="en-US"/>
               <a:t>Second level</a:t>
             </a:r>
           </a:p>
           <a:p>
             <a:pPr lvl="2"/>
             <a:r>
-              <a:rPr lang="en-US" smtClean="0"/>
+              <a:rPr lang="en-US"/>
               <a:t>Third level</a:t>
             </a:r>
           </a:p>
           <a:p>
             <a:pPr lvl="3"/>
             <a:r>
-              <a:rPr lang="en-US" smtClean="0"/>
+              <a:rPr lang="en-US"/>
               <a:t>Fourth level</a:t>
             </a:r>
           </a:p>
           <a:p>
             <a:pPr lvl="4"/>
             <a:r>
-              <a:rPr lang="en-US" smtClean="0"/>
+              <a:rPr lang="en-US"/>
               <a:t>Fifth level</a:t>
             </a:r>
             <a:endParaRPr lang="en-GB" dirty="0"/>
@@ -5612,7 +6016,7 @@
           <a:p>
             <a:fld id="{F46C79FD-C571-418B-AB0F-5EE936C85276}" type="slidenum">
               <a:rPr lang="en-GB" smtClean="0"/>
-              <a:t>‹#›</a:t>
+              <a:t>‹N›</a:t>
             </a:fld>
             <a:endParaRPr lang="en-GB"/>
           </a:p>
@@ -5679,7 +6083,7 @@
           <a:lstStyle/>
           <a:p>
             <a:r>
-              <a:rPr lang="en-US" smtClean="0"/>
+              <a:rPr lang="en-US"/>
               <a:t>Click to edit Master title style</a:t>
             </a:r>
             <a:endParaRPr lang="en-GB" dirty="0"/>
@@ -5771,35 +6175,35 @@
           <a:p>
             <a:pPr lvl="0"/>
             <a:r>
-              <a:rPr lang="en-US" smtClean="0"/>
+              <a:rPr lang="en-US"/>
               <a:t>Edit Master text styles</a:t>
             </a:r>
           </a:p>
           <a:p>
             <a:pPr lvl="1"/>
             <a:r>
-              <a:rPr lang="en-US" smtClean="0"/>
+              <a:rPr lang="en-US"/>
               <a:t>Second level</a:t>
             </a:r>
           </a:p>
           <a:p>
             <a:pPr lvl="2"/>
             <a:r>
-              <a:rPr lang="en-US" smtClean="0"/>
+              <a:rPr lang="en-US"/>
               <a:t>Third level</a:t>
             </a:r>
           </a:p>
           <a:p>
             <a:pPr lvl="3"/>
             <a:r>
-              <a:rPr lang="en-US" smtClean="0"/>
+              <a:rPr lang="en-US"/>
               <a:t>Fourth level</a:t>
             </a:r>
           </a:p>
           <a:p>
             <a:pPr lvl="4"/>
             <a:r>
-              <a:rPr lang="en-US" smtClean="0"/>
+              <a:rPr lang="en-US"/>
               <a:t>Fifth level</a:t>
             </a:r>
             <a:endParaRPr lang="en-GB" dirty="0"/>
@@ -5836,7 +6240,7 @@
           <a:p>
             <a:pPr lvl="0"/>
             <a:r>
-              <a:rPr lang="en-US" smtClean="0"/>
+              <a:rPr lang="en-US"/>
               <a:t>Edit Master text styles</a:t>
             </a:r>
           </a:p>
@@ -5861,7 +6265,7 @@
           <a:p>
             <a:fld id="{F46C79FD-C571-418B-AB0F-5EE936C85276}" type="slidenum">
               <a:rPr lang="en-GB" smtClean="0"/>
-              <a:t>‹#›</a:t>
+              <a:t>‹N›</a:t>
             </a:fld>
             <a:endParaRPr lang="en-GB"/>
           </a:p>
@@ -5928,7 +6332,7 @@
           <a:lstStyle/>
           <a:p>
             <a:r>
-              <a:rPr lang="en-US" smtClean="0"/>
+              <a:rPr lang="en-US"/>
               <a:t>Click to edit Master title style</a:t>
             </a:r>
             <a:endParaRPr lang="en-GB" dirty="0"/>
@@ -5996,7 +6400,7 @@
           <a:lstStyle/>
           <a:p>
             <a:r>
-              <a:rPr lang="en-US" smtClean="0"/>
+              <a:rPr lang="en-US"/>
               <a:t>Click to edit Master title style</a:t>
             </a:r>
             <a:endParaRPr lang="en-GB" dirty="0"/>
@@ -6103,7 +6507,7 @@
             <a:fld id="{F46C79FD-C571-418B-AB0F-5EE936C85276}" type="slidenum">
               <a:rPr lang="en-GB" smtClean="0"/>
               <a:pPr/>
-              <a:t>‹#›</a:t>
+              <a:t>‹N›</a:t>
             </a:fld>
             <a:endParaRPr lang="en-GB" dirty="0"/>
           </a:p>
@@ -6507,8 +6911,8 @@
         </p:nvSpPr>
         <p:spPr>
           <a:xfrm>
-            <a:off x="-2558937" y="-1921917"/>
-            <a:ext cx="11975873" cy="16035834"/>
+            <a:off x="-2558937" y="-1921919"/>
+            <a:ext cx="11975873" cy="20198343"/>
           </a:xfrm>
           <a:prstGeom prst="rect">
             <a:avLst/>
@@ -6642,7 +7046,11 @@
           </a:lstStyle>
           <a:p>
             <a:pPr algn="ctr"/>
-            <a:endParaRPr lang="en-GB" sz="2401"/>
+            <a:r>
+              <a:rPr lang="it-IT" sz="2401" dirty="0"/>
+              <a:t>z</a:t>
+            </a:r>
+            <a:endParaRPr lang="en-GB" sz="2401" dirty="0"/>
           </a:p>
         </p:txBody>
       </p:sp>
@@ -6790,15 +7198,16 @@
         <p:nvCxnSpPr>
           <p:cNvPr id="6" name="Straight Arrow Connector 5"/>
           <p:cNvCxnSpPr>
+            <a:cxnSpLocks/>
             <a:stCxn id="5" idx="2"/>
             <a:endCxn id="7" idx="0"/>
           </p:cNvCxnSpPr>
           <p:nvPr/>
         </p:nvCxnSpPr>
         <p:spPr>
-          <a:xfrm>
-            <a:off x="3372071" y="-1067552"/>
-            <a:ext cx="0" cy="654903"/>
+          <a:xfrm flipH="1">
+            <a:off x="3367888" y="-1067552"/>
+            <a:ext cx="4183" cy="654903"/>
           </a:xfrm>
           <a:prstGeom prst="straightConnector1">
             <a:avLst/>
@@ -6833,8 +7242,8 @@
         </p:nvSpPr>
         <p:spPr>
           <a:xfrm>
-            <a:off x="1936971" y="-412649"/>
-            <a:ext cx="2870199" cy="748795"/>
+            <a:off x="1852306" y="-412649"/>
+            <a:ext cx="3031164" cy="748795"/>
           </a:xfrm>
           <a:prstGeom prst="rect">
             <a:avLst/>
@@ -6957,16 +7366,10 @@
           <a:p>
             <a:pPr algn="ctr"/>
             <a:r>
-              <a:rPr lang="en-GB" sz="2133" b="1" i="1" dirty="0" smtClean="0">
-                <a:latin typeface="EC Square Sans Cond Pro" panose="020B0506040000020004" pitchFamily="34" charset="0"/>
-              </a:rPr>
-              <a:t>[MIWP Sub-group</a:t>
-            </a:r>
-            <a:r>
               <a:rPr lang="en-GB" sz="2133" b="1" i="1" dirty="0">
                 <a:latin typeface="EC Square Sans Cond Pro" panose="020B0506040000020004" pitchFamily="34" charset="0"/>
               </a:rPr>
-              <a:t>]</a:t>
+              <a:t>[MIWP Sub-group]</a:t>
             </a:r>
           </a:p>
         </p:txBody>
@@ -7484,13 +7887,7 @@
               <a:rPr lang="en-GB" sz="2133" dirty="0">
                 <a:latin typeface="EC Square Sans Cond Pro" panose="020B0506040000020004" pitchFamily="34" charset="0"/>
               </a:rPr>
-              <a:t>a</a:t>
-            </a:r>
-            <a:r>
-              <a:rPr lang="en-GB" sz="2133" dirty="0" smtClean="0">
-                <a:latin typeface="EC Square Sans Cond Pro" panose="020B0506040000020004" pitchFamily="34" charset="0"/>
-              </a:rPr>
-              <a:t>sk to amend</a:t>
+              <a:t>ask to amend</a:t>
             </a:r>
             <a:endParaRPr lang="en-GB" sz="2133" i="1" dirty="0">
               <a:latin typeface="EC Square Sans Cond Pro" panose="020B0506040000020004" pitchFamily="34" charset="0"/>
@@ -8138,7 +8535,7 @@
         <p:spPr>
           <a:xfrm>
             <a:off x="1793461" y="5872446"/>
-            <a:ext cx="3157219" cy="748795"/>
+            <a:ext cx="3235739" cy="748795"/>
           </a:xfrm>
           <a:prstGeom prst="rect">
             <a:avLst/>
@@ -8252,14 +8649,11 @@
           <a:p>
             <a:pPr algn="ctr"/>
             <a:r>
-              <a:rPr lang="en-GB" sz="2133" dirty="0" smtClean="0">
+              <a:rPr lang="en-GB" sz="2133" dirty="0">
                 <a:latin typeface="EC Square Sans Cond Pro" panose="020B0506040000020004" pitchFamily="34" charset="0"/>
               </a:rPr>
               <a:t>Two-week objection period</a:t>
             </a:r>
-            <a:endParaRPr lang="en-GB" sz="2133" dirty="0">
-              <a:latin typeface="EC Square Sans Cond Pro" panose="020B0506040000020004" pitchFamily="34" charset="0"/>
-            </a:endParaRPr>
           </a:p>
           <a:p>
             <a:pPr algn="ctr"/>
@@ -8396,13 +8790,7 @@
               <a:rPr lang="en-GB" sz="2133" dirty="0">
                 <a:latin typeface="EC Square Sans Cond Pro" panose="020B0506040000020004" pitchFamily="34" charset="0"/>
               </a:rPr>
-              <a:t>ask to </a:t>
-            </a:r>
-            <a:r>
-              <a:rPr lang="en-GB" sz="2133" dirty="0" smtClean="0">
-                <a:latin typeface="EC Square Sans Cond Pro" panose="020B0506040000020004" pitchFamily="34" charset="0"/>
-              </a:rPr>
-              <a:t>amend</a:t>
+              <a:t>ask to amend</a:t>
             </a:r>
             <a:endParaRPr lang="en-GB" sz="2133" i="1" dirty="0">
               <a:latin typeface="EC Square Sans Cond Pro" panose="020B0506040000020004" pitchFamily="34" charset="0"/>
@@ -8414,15 +8802,16 @@
         <p:nvCxnSpPr>
           <p:cNvPr id="22" name="Straight Arrow Connector 21"/>
           <p:cNvCxnSpPr>
+            <a:cxnSpLocks/>
             <a:stCxn id="31" idx="2"/>
-            <a:endCxn id="88" idx="0"/>
+            <a:endCxn id="29" idx="0"/>
           </p:cNvCxnSpPr>
           <p:nvPr/>
         </p:nvCxnSpPr>
         <p:spPr>
           <a:xfrm flipH="1">
-            <a:off x="3372070" y="10690474"/>
-            <a:ext cx="1" cy="628763"/>
+            <a:off x="41957" y="12085493"/>
+            <a:ext cx="1" cy="858488"/>
           </a:xfrm>
           <a:prstGeom prst="straightConnector1">
             <a:avLst/>
@@ -8453,17 +8842,18 @@
         <p:nvCxnSpPr>
           <p:cNvPr id="23" name="Straight Arrow Connector 22"/>
           <p:cNvCxnSpPr>
-            <a:stCxn id="88" idx="3"/>
+            <a:cxnSpLocks/>
+            <a:stCxn id="88" idx="2"/>
             <a:endCxn id="25" idx="1"/>
           </p:cNvCxnSpPr>
           <p:nvPr/>
         </p:nvCxnSpPr>
         <p:spPr>
-          <a:xfrm flipV="1">
-            <a:off x="3768070" y="11711096"/>
-            <a:ext cx="1759978" cy="4141"/>
-          </a:xfrm>
-          <a:prstGeom prst="straightConnector1">
+          <a:xfrm rot="16200000" flipH="1">
+            <a:off x="3957521" y="10140568"/>
+            <a:ext cx="985077" cy="2155978"/>
+          </a:xfrm>
+          <a:prstGeom prst="bentConnector2">
             <a:avLst/>
           </a:prstGeom>
           <a:ln w="15875">
@@ -8616,13 +9006,7 @@
               <a:rPr lang="en-GB" sz="2133" dirty="0">
                 <a:latin typeface="EC Square Sans Cond Pro" panose="020B0506040000020004" pitchFamily="34" charset="0"/>
               </a:rPr>
-              <a:t>r</a:t>
-            </a:r>
-            <a:r>
-              <a:rPr lang="en-GB" sz="2133" dirty="0" smtClean="0">
-                <a:latin typeface="EC Square Sans Cond Pro" panose="020B0506040000020004" pitchFamily="34" charset="0"/>
-              </a:rPr>
-              <a:t>equires update of IR</a:t>
+              <a:t>requires update of IR</a:t>
             </a:r>
             <a:endParaRPr lang="en-GB" sz="2133" i="1" dirty="0">
               <a:latin typeface="EC Square Sans Cond Pro" panose="020B0506040000020004" pitchFamily="34" charset="0"/>
@@ -8753,26 +9137,20 @@
           <a:p>
             <a:pPr algn="ctr"/>
             <a:r>
-              <a:rPr lang="en-GB" sz="2133" dirty="0" smtClean="0">
+              <a:rPr lang="en-GB" sz="2133" dirty="0">
                 <a:latin typeface="EC Square Sans Cond Pro" panose="020B0506040000020004" pitchFamily="34" charset="0"/>
               </a:rPr>
               <a:t>Draft amendment of IR</a:t>
             </a:r>
-            <a:endParaRPr lang="en-GB" sz="2133" dirty="0">
-              <a:latin typeface="EC Square Sans Cond Pro" panose="020B0506040000020004" pitchFamily="34" charset="0"/>
-            </a:endParaRPr>
           </a:p>
           <a:p>
             <a:pPr algn="ctr"/>
             <a:r>
-              <a:rPr lang="en-GB" sz="2133" b="1" i="1" dirty="0" smtClean="0">
+              <a:rPr lang="en-GB" sz="2133" b="1" i="1" dirty="0">
                 <a:latin typeface="EC Square Sans Cond Pro" panose="020B0506040000020004" pitchFamily="34" charset="0"/>
               </a:rPr>
               <a:t>[INSPIRE CT]</a:t>
             </a:r>
-            <a:endParaRPr lang="en-GB" sz="2133" b="1" i="1" dirty="0">
-              <a:latin typeface="EC Square Sans Cond Pro" panose="020B0506040000020004" pitchFamily="34" charset="0"/>
-            </a:endParaRPr>
           </a:p>
         </p:txBody>
       </p:sp>
@@ -8938,26 +9316,20 @@
           <a:p>
             <a:pPr algn="ctr"/>
             <a:r>
-              <a:rPr lang="en-GB" sz="2133" dirty="0" smtClean="0">
+              <a:rPr lang="en-GB" sz="2133" dirty="0">
                 <a:latin typeface="EC Square Sans Cond Pro" panose="020B0506040000020004" pitchFamily="34" charset="0"/>
               </a:rPr>
               <a:t>Comitology procedure</a:t>
             </a:r>
-            <a:endParaRPr lang="en-GB" sz="2133" dirty="0">
-              <a:latin typeface="EC Square Sans Cond Pro" panose="020B0506040000020004" pitchFamily="34" charset="0"/>
-            </a:endParaRPr>
           </a:p>
           <a:p>
             <a:pPr algn="ctr"/>
             <a:r>
-              <a:rPr lang="en-GB" sz="2133" b="1" i="1" dirty="0" smtClean="0">
+              <a:rPr lang="en-GB" sz="2133" b="1" i="1" dirty="0">
                 <a:latin typeface="EC Square Sans Cond Pro" panose="020B0506040000020004" pitchFamily="34" charset="0"/>
               </a:rPr>
               <a:t>[EC, INSPIRE Committee, EP, Council]</a:t>
             </a:r>
-            <a:endParaRPr lang="en-GB" sz="2133" b="1" i="1" dirty="0">
-              <a:latin typeface="EC Square Sans Cond Pro" panose="020B0506040000020004" pitchFamily="34" charset="0"/>
-            </a:endParaRPr>
           </a:p>
         </p:txBody>
       </p:sp>
@@ -9086,7 +9458,7 @@
               </a:lnSpc>
             </a:pPr>
             <a:r>
-              <a:rPr lang="en-GB" sz="2133" dirty="0" smtClean="0">
+              <a:rPr lang="en-GB" sz="2133" dirty="0">
                 <a:latin typeface="EC Square Sans Cond Pro" panose="020B0506040000020004" pitchFamily="34" charset="0"/>
               </a:rPr>
               <a:t>major change</a:t>
@@ -9105,7 +9477,7 @@
         </p:nvSpPr>
         <p:spPr>
           <a:xfrm>
-            <a:off x="1936971" y="9941679"/>
+            <a:off x="-1393142" y="11336698"/>
             <a:ext cx="2870199" cy="748795"/>
           </a:xfrm>
           <a:prstGeom prst="rect">
@@ -9223,17 +9595,8 @@
               <a:rPr lang="en-GB" sz="2133" dirty="0">
                 <a:latin typeface="EC Square Sans Cond Pro" panose="020B0506040000020004" pitchFamily="34" charset="0"/>
               </a:rPr>
-              <a:t>Update </a:t>
-            </a:r>
-            <a:r>
-              <a:rPr lang="en-GB" sz="2133" dirty="0" smtClean="0">
-                <a:latin typeface="EC Square Sans Cond Pro" panose="020B0506040000020004" pitchFamily="34" charset="0"/>
-              </a:rPr>
-              <a:t>XML schema</a:t>
-            </a:r>
-            <a:endParaRPr lang="en-GB" sz="2133" dirty="0">
-              <a:latin typeface="EC Square Sans Cond Pro" panose="020B0506040000020004" pitchFamily="34" charset="0"/>
-            </a:endParaRPr>
+              <a:t>Update XML schema</a:t>
+            </a:r>
           </a:p>
           <a:p>
             <a:pPr algn="ctr"/>
@@ -9888,15 +10251,16 @@
         <p:nvCxnSpPr>
           <p:cNvPr id="38" name="Straight Arrow Connector 37"/>
           <p:cNvCxnSpPr>
+            <a:cxnSpLocks/>
             <a:stCxn id="86" idx="2"/>
-            <a:endCxn id="31" idx="0"/>
+            <a:endCxn id="88" idx="0"/>
           </p:cNvCxnSpPr>
           <p:nvPr/>
         </p:nvCxnSpPr>
         <p:spPr>
           <a:xfrm>
             <a:off x="3372070" y="8025996"/>
-            <a:ext cx="1" cy="1915683"/>
+            <a:ext cx="0" cy="1908023"/>
           </a:xfrm>
           <a:prstGeom prst="straightConnector1">
             <a:avLst/>
@@ -9970,8 +10334,8 @@
         </p:nvSpPr>
         <p:spPr>
           <a:xfrm>
-            <a:off x="1790538" y="8729823"/>
-            <a:ext cx="1605233" cy="605294"/>
+            <a:off x="1681544" y="8725784"/>
+            <a:ext cx="1714227" cy="613373"/>
           </a:xfrm>
           <a:prstGeom prst="rect">
             <a:avLst/>
@@ -10087,7 +10451,7 @@
               </a:lnSpc>
             </a:pPr>
             <a:r>
-              <a:rPr lang="en-GB" sz="2133" dirty="0" smtClean="0">
+              <a:rPr lang="en-GB" sz="2133" dirty="0">
                 <a:latin typeface="EC Square Sans Cond Pro" panose="020B0506040000020004" pitchFamily="34" charset="0"/>
               </a:rPr>
               <a:t>no objections raised</a:t>
@@ -10138,15 +10502,16 @@
         <p:nvCxnSpPr>
           <p:cNvPr id="42" name="Straight Arrow Connector 111"/>
           <p:cNvCxnSpPr>
+            <a:cxnSpLocks/>
             <a:stCxn id="87" idx="2"/>
-            <a:endCxn id="31" idx="3"/>
+            <a:endCxn id="88" idx="3"/>
           </p:cNvCxnSpPr>
           <p:nvPr/>
         </p:nvCxnSpPr>
         <p:spPr>
           <a:xfrm rot="5400000">
-            <a:off x="5411738" y="8764667"/>
-            <a:ext cx="946843" cy="2155977"/>
+            <a:off x="4885217" y="8252088"/>
+            <a:ext cx="960785" cy="3195077"/>
           </a:xfrm>
           <a:prstGeom prst="bentConnector2">
             <a:avLst/>
@@ -10298,7 +10663,7 @@
               </a:lnSpc>
             </a:pPr>
             <a:r>
-              <a:rPr lang="en-GB" sz="2133" dirty="0" smtClean="0">
+              <a:rPr lang="en-GB" sz="2133" dirty="0">
                 <a:latin typeface="EC Square Sans Cond Pro" panose="020B0506040000020004" pitchFamily="34" charset="0"/>
               </a:rPr>
               <a:t>objections raised</a:t>
@@ -10444,17 +10809,8 @@
               <a:rPr lang="en-GB" sz="2133" b="1" i="1" dirty="0">
                 <a:latin typeface="EC Square Sans Cond Pro" panose="020B0506040000020004" pitchFamily="34" charset="0"/>
               </a:rPr>
-              <a:t>[</a:t>
-            </a:r>
-            <a:r>
-              <a:rPr lang="en-GB" sz="2133" b="1" i="1" dirty="0" smtClean="0">
-                <a:latin typeface="EC Square Sans Cond Pro" panose="020B0506040000020004" pitchFamily="34" charset="0"/>
-              </a:rPr>
-              <a:t>MIG]</a:t>
-            </a:r>
-            <a:endParaRPr lang="en-GB" sz="2133" b="1" i="1" dirty="0">
-              <a:latin typeface="EC Square Sans Cond Pro" panose="020B0506040000020004" pitchFamily="34" charset="0"/>
-            </a:endParaRPr>
+              <a:t>[MIG]</a:t>
+            </a:r>
           </a:p>
         </p:txBody>
       </p:sp>
@@ -10753,13 +11109,7 @@
               <a:rPr lang="en-GB" sz="2133" dirty="0">
                 <a:latin typeface="EC Square Sans Cond Pro" panose="020B0506040000020004" pitchFamily="34" charset="0"/>
               </a:rPr>
-              <a:t>a</a:t>
-            </a:r>
-            <a:r>
-              <a:rPr lang="en-GB" sz="2133" dirty="0" smtClean="0">
-                <a:latin typeface="EC Square Sans Cond Pro" panose="020B0506040000020004" pitchFamily="34" charset="0"/>
-              </a:rPr>
-              <a:t>sk to amend</a:t>
+              <a:t>ask to amend</a:t>
             </a:r>
             <a:endParaRPr lang="en-GB" sz="2133" i="1" dirty="0">
               <a:latin typeface="EC Square Sans Cond Pro" panose="020B0506040000020004" pitchFamily="34" charset="0"/>
@@ -11075,7 +11425,7 @@
           <a:p>
             <a:pPr algn="ctr"/>
             <a:r>
-              <a:rPr lang="en-GB" sz="2130" dirty="0" smtClean="0">
+              <a:rPr lang="en-GB" sz="2130" dirty="0">
                 <a:solidFill>
                   <a:schemeClr val="tx1"/>
                 </a:solidFill>
@@ -11090,15 +11440,16 @@
         <p:nvCxnSpPr>
           <p:cNvPr id="51" name="Straight Arrow Connector 50"/>
           <p:cNvCxnSpPr>
+            <a:cxnSpLocks/>
             <a:stCxn id="7" idx="2"/>
             <a:endCxn id="83" idx="0"/>
           </p:cNvCxnSpPr>
           <p:nvPr/>
         </p:nvCxnSpPr>
         <p:spPr>
-          <a:xfrm flipH="1">
-            <a:off x="3372070" y="336146"/>
-            <a:ext cx="1" cy="611545"/>
+          <a:xfrm>
+            <a:off x="3367888" y="336146"/>
+            <a:ext cx="4182" cy="611545"/>
           </a:xfrm>
           <a:prstGeom prst="straightConnector1">
             <a:avLst/>
@@ -11249,13 +11600,7 @@
               <a:rPr lang="en-GB" sz="2133" dirty="0">
                 <a:latin typeface="EC Square Sans Cond Pro" panose="020B0506040000020004" pitchFamily="34" charset="0"/>
               </a:rPr>
-              <a:t>a</a:t>
-            </a:r>
-            <a:r>
-              <a:rPr lang="en-GB" sz="2133" dirty="0" smtClean="0">
-                <a:latin typeface="EC Square Sans Cond Pro" panose="020B0506040000020004" pitchFamily="34" charset="0"/>
-              </a:rPr>
-              <a:t>sk to amend</a:t>
+              <a:t>ask to amend</a:t>
             </a:r>
             <a:endParaRPr lang="en-GB" sz="2133" i="1" dirty="0">
               <a:latin typeface="EC Square Sans Cond Pro" panose="020B0506040000020004" pitchFamily="34" charset="0"/>
@@ -11708,7 +12053,7 @@
           <a:p>
             <a:pPr algn="ctr"/>
             <a:r>
-              <a:rPr lang="en-GB" sz="2133" dirty="0" smtClean="0">
+              <a:rPr lang="en-GB" sz="2133" dirty="0">
                 <a:latin typeface="EC Square Sans Cond Pro" panose="020B0506040000020004" pitchFamily="34" charset="0"/>
               </a:rPr>
               <a:t>review</a:t>
@@ -11858,7 +12203,7 @@
           <a:p>
             <a:pPr algn="ctr"/>
             <a:r>
-              <a:rPr lang="da-DK" sz="1400" dirty="0" err="1" smtClean="0">
+              <a:rPr lang="da-DK" sz="1400" dirty="0" err="1">
                 <a:solidFill>
                   <a:srgbClr val="000000"/>
                 </a:solidFill>
@@ -11867,7 +12212,7 @@
               <a:t>further</a:t>
             </a:r>
             <a:r>
-              <a:rPr lang="da-DK" sz="1400" dirty="0" smtClean="0">
+              <a:rPr lang="da-DK" sz="1400" dirty="0">
                 <a:solidFill>
                   <a:srgbClr val="000000"/>
                 </a:solidFill>
@@ -11876,7 +12221,7 @@
               <a:t> info </a:t>
             </a:r>
             <a:r>
-              <a:rPr lang="da-DK" sz="1400" dirty="0" err="1" smtClean="0">
+              <a:rPr lang="da-DK" sz="1400" dirty="0" err="1">
                 <a:solidFill>
                   <a:srgbClr val="000000"/>
                 </a:solidFill>
@@ -12032,7 +12377,7 @@
           <a:p>
             <a:pPr algn="ctr"/>
             <a:r>
-              <a:rPr lang="da-DK" sz="1400" dirty="0" err="1" smtClean="0">
+              <a:rPr lang="da-DK" sz="1400" dirty="0" err="1">
                 <a:solidFill>
                   <a:srgbClr val="000000"/>
                 </a:solidFill>
@@ -12041,7 +12386,7 @@
               <a:t>further</a:t>
             </a:r>
             <a:r>
-              <a:rPr lang="da-DK" sz="1400" dirty="0" smtClean="0">
+              <a:rPr lang="da-DK" sz="1400" dirty="0">
                 <a:solidFill>
                   <a:srgbClr val="000000"/>
                 </a:solidFill>
@@ -12050,7 +12395,7 @@
               <a:t> info </a:t>
             </a:r>
             <a:r>
-              <a:rPr lang="da-DK" sz="1400" dirty="0" err="1" smtClean="0">
+              <a:rPr lang="da-DK" sz="1400" dirty="0" err="1">
                 <a:solidFill>
                   <a:srgbClr val="000000"/>
                 </a:solidFill>
@@ -12206,7 +12551,7 @@
           <a:p>
             <a:pPr algn="ctr"/>
             <a:r>
-              <a:rPr lang="da-DK" sz="1400" dirty="0" err="1" smtClean="0">
+              <a:rPr lang="da-DK" sz="1400" dirty="0" err="1">
                 <a:solidFill>
                   <a:srgbClr val="000000"/>
                 </a:solidFill>
@@ -12215,7 +12560,7 @@
               <a:t>further</a:t>
             </a:r>
             <a:r>
-              <a:rPr lang="da-DK" sz="1400" dirty="0" smtClean="0">
+              <a:rPr lang="da-DK" sz="1400" dirty="0">
                 <a:solidFill>
                   <a:srgbClr val="000000"/>
                 </a:solidFill>
@@ -12224,7 +12569,7 @@
               <a:t> info </a:t>
             </a:r>
             <a:r>
-              <a:rPr lang="da-DK" sz="1400" dirty="0" err="1" smtClean="0">
+              <a:rPr lang="da-DK" sz="1400" dirty="0" err="1">
                 <a:solidFill>
                   <a:srgbClr val="000000"/>
                 </a:solidFill>
@@ -12380,7 +12725,7 @@
           <a:p>
             <a:pPr algn="ctr"/>
             <a:r>
-              <a:rPr lang="da-DK" sz="1400" dirty="0" err="1" smtClean="0">
+              <a:rPr lang="da-DK" sz="1400" dirty="0" err="1">
                 <a:solidFill>
                   <a:srgbClr val="000000"/>
                 </a:solidFill>
@@ -12389,7 +12734,7 @@
               <a:t>further</a:t>
             </a:r>
             <a:r>
-              <a:rPr lang="da-DK" sz="1400" dirty="0" smtClean="0">
+              <a:rPr lang="da-DK" sz="1400" dirty="0">
                 <a:solidFill>
                   <a:srgbClr val="000000"/>
                 </a:solidFill>
@@ -12398,7 +12743,7 @@
               <a:t> info </a:t>
             </a:r>
             <a:r>
-              <a:rPr lang="da-DK" sz="1400" dirty="0" err="1" smtClean="0">
+              <a:rPr lang="da-DK" sz="1400" dirty="0" err="1">
                 <a:solidFill>
                   <a:srgbClr val="000000"/>
                 </a:solidFill>
@@ -12554,7 +12899,7 @@
           <a:p>
             <a:pPr algn="ctr"/>
             <a:r>
-              <a:rPr lang="da-DK" sz="1400" dirty="0" smtClean="0">
+              <a:rPr lang="da-DK" sz="1400" dirty="0">
                 <a:solidFill>
                   <a:schemeClr val="bg1"/>
                 </a:solidFill>
@@ -12562,12 +12907,6 @@
               </a:rPr>
               <a:t>for INSPIRE MIG-T</a:t>
             </a:r>
-            <a:endParaRPr lang="da-DK" sz="1400" dirty="0">
-              <a:solidFill>
-                <a:schemeClr val="bg1"/>
-              </a:solidFill>
-              <a:latin typeface="EC Square Sans Cond Pro" panose="020B0506040000020004"/>
-            </a:endParaRPr>
           </a:p>
         </p:txBody>
       </p:sp>
@@ -12710,7 +13049,7 @@
           <a:p>
             <a:pPr algn="ctr"/>
             <a:r>
-              <a:rPr lang="da-DK" sz="1400" dirty="0" smtClean="0">
+              <a:rPr lang="da-DK" sz="1400" dirty="0">
                 <a:solidFill>
                   <a:schemeClr val="bg1"/>
                 </a:solidFill>
@@ -12718,12 +13057,6 @@
               </a:rPr>
               <a:t>for INSPIRE CT</a:t>
             </a:r>
-            <a:endParaRPr lang="da-DK" sz="1400" dirty="0">
-              <a:solidFill>
-                <a:schemeClr val="bg1"/>
-              </a:solidFill>
-              <a:latin typeface="EC Square Sans Cond Pro" panose="020B0506040000020004"/>
-            </a:endParaRPr>
           </a:p>
         </p:txBody>
       </p:sp>
@@ -12866,7 +13199,7 @@
           <a:p>
             <a:pPr algn="ctr"/>
             <a:r>
-              <a:rPr lang="da-DK" sz="1400" dirty="0" smtClean="0">
+              <a:rPr lang="da-DK" sz="1400" dirty="0">
                 <a:solidFill>
                   <a:srgbClr val="000000"/>
                 </a:solidFill>
@@ -12874,12 +13207,6 @@
               </a:rPr>
               <a:t>for INSPIRE MIG</a:t>
             </a:r>
-            <a:endParaRPr lang="da-DK" sz="1400" dirty="0">
-              <a:solidFill>
-                <a:srgbClr val="000000"/>
-              </a:solidFill>
-              <a:latin typeface="EC Square Sans Cond Pro" panose="020B0506040000020004"/>
-            </a:endParaRPr>
           </a:p>
         </p:txBody>
       </p:sp>
@@ -12891,8 +13218,8 @@
         </p:nvSpPr>
         <p:spPr>
           <a:xfrm>
-            <a:off x="3529431" y="7857920"/>
-            <a:ext cx="2183832" cy="298186"/>
+            <a:off x="3529430" y="7857920"/>
+            <a:ext cx="2210969" cy="310720"/>
           </a:xfrm>
           <a:prstGeom prst="roundRect">
             <a:avLst>
@@ -13022,7 +13349,7 @@
           <a:p>
             <a:pPr algn="ctr"/>
             <a:r>
-              <a:rPr lang="da-DK" sz="1400" dirty="0" smtClean="0">
+              <a:rPr lang="da-DK" sz="1400" dirty="0">
                 <a:solidFill>
                   <a:schemeClr val="bg1"/>
                 </a:solidFill>
@@ -13031,7 +13358,7 @@
               <a:t>for INSPIRE MIG </a:t>
             </a:r>
             <a:r>
-              <a:rPr lang="da-DK" sz="1400" dirty="0" err="1" smtClean="0">
+              <a:rPr lang="da-DK" sz="1400" dirty="0" err="1">
                 <a:solidFill>
                   <a:schemeClr val="bg1"/>
                 </a:solidFill>
@@ -13056,8 +13383,8 @@
         </p:nvSpPr>
         <p:spPr>
           <a:xfrm>
-            <a:off x="5305367" y="9729314"/>
-            <a:ext cx="926157" cy="298186"/>
+            <a:off x="5455841" y="9729314"/>
+            <a:ext cx="972000" cy="298686"/>
           </a:xfrm>
           <a:prstGeom prst="roundRect">
             <a:avLst>
@@ -13187,7 +13514,7 @@
           <a:p>
             <a:pPr algn="ctr"/>
             <a:r>
-              <a:rPr lang="da-DK" sz="1400" dirty="0" err="1" smtClean="0">
+              <a:rPr lang="da-DK" sz="1400" dirty="0" err="1">
                 <a:solidFill>
                   <a:schemeClr val="bg1"/>
                 </a:solidFill>
@@ -13343,7 +13670,7 @@
           <a:p>
             <a:pPr algn="ctr"/>
             <a:r>
-              <a:rPr lang="da-DK" sz="1400" dirty="0" smtClean="0">
+              <a:rPr lang="da-DK" sz="1400" dirty="0">
                 <a:solidFill>
                   <a:schemeClr val="bg1"/>
                 </a:solidFill>
@@ -13352,7 +13679,7 @@
               <a:t>for </a:t>
             </a:r>
             <a:r>
-              <a:rPr lang="da-DK" sz="1400" dirty="0" err="1" smtClean="0">
+              <a:rPr lang="da-DK" sz="1400" dirty="0" err="1">
                 <a:solidFill>
                   <a:schemeClr val="bg1"/>
                 </a:solidFill>
@@ -13508,7 +13835,7 @@
           <a:p>
             <a:pPr algn="ctr"/>
             <a:r>
-              <a:rPr lang="da-DK" sz="1400" dirty="0" err="1" smtClean="0">
+              <a:rPr lang="da-DK" sz="1400" dirty="0" err="1">
                 <a:solidFill>
                   <a:schemeClr val="bg1"/>
                 </a:solidFill>
@@ -13517,7 +13844,7 @@
               <a:t>impact</a:t>
             </a:r>
             <a:r>
-              <a:rPr lang="da-DK" sz="1400" dirty="0" smtClean="0">
+              <a:rPr lang="da-DK" sz="1400" dirty="0">
                 <a:solidFill>
                   <a:schemeClr val="bg1"/>
                 </a:solidFill>
@@ -13525,12 +13852,6 @@
               </a:rPr>
               <a:t> on IR</a:t>
             </a:r>
-            <a:endParaRPr lang="da-DK" sz="1400" dirty="0">
-              <a:solidFill>
-                <a:schemeClr val="bg1"/>
-              </a:solidFill>
-              <a:latin typeface="EC Square Sans Cond Pro" panose="020B0506040000020004"/>
-            </a:endParaRPr>
           </a:p>
         </p:txBody>
       </p:sp>
@@ -13538,18 +13859,21 @@
         <p:nvCxnSpPr>
           <p:cNvPr id="74" name="Straight Arrow Connector 24"/>
           <p:cNvCxnSpPr>
-            <a:stCxn id="88" idx="2"/>
-            <a:endCxn id="98" idx="0"/>
+            <a:cxnSpLocks/>
+            <a:stCxn id="29" idx="3"/>
+            <a:endCxn id="98" idx="1"/>
           </p:cNvCxnSpPr>
           <p:nvPr/>
         </p:nvCxnSpPr>
         <p:spPr>
           <a:xfrm>
-            <a:off x="3372070" y="12111237"/>
-            <a:ext cx="443" cy="707368"/>
-          </a:xfrm>
-          <a:prstGeom prst="straightConnector1">
-            <a:avLst/>
+            <a:off x="437957" y="13339981"/>
+            <a:ext cx="1659237" cy="1287451"/>
+          </a:xfrm>
+          <a:prstGeom prst="bentConnector3">
+            <a:avLst>
+              <a:gd name="adj1" fmla="val 50000"/>
+            </a:avLst>
           </a:prstGeom>
           <a:ln w="15875">
             <a:solidFill>
@@ -13582,7 +13906,7 @@
         <p:spPr>
           <a:xfrm>
             <a:off x="5256362" y="-1203848"/>
-            <a:ext cx="3067049" cy="682835"/>
+            <a:ext cx="3380524" cy="682835"/>
           </a:xfrm>
           <a:prstGeom prst="accentCallout1">
             <a:avLst>
@@ -13714,33 +14038,24 @@
           </a:lstStyle>
           <a:p>
             <a:r>
-              <a:rPr lang="en-US" sz="1600" i="1" dirty="0" smtClean="0">
+              <a:rPr lang="en-US" sz="1600" i="1" dirty="0">
                 <a:solidFill>
                   <a:schemeClr val="tx1"/>
                 </a:solidFill>
                 <a:latin typeface="EC Square Sans Cond Pro" panose="020B0506040000020004"/>
               </a:rPr>
-              <a:t>Submit as GitHub issue</a:t>
-            </a:r>
-          </a:p>
-          <a:p>
-            <a:r>
-              <a:rPr lang="en-US" sz="1600" i="1" dirty="0" err="1" smtClean="0">
+              <a:t>Submit as a GitHub issue</a:t>
+            </a:r>
+          </a:p>
+          <a:p>
+            <a:r>
+              <a:rPr lang="en-US" sz="1600" i="1" dirty="0">
                 <a:solidFill>
                   <a:schemeClr val="tx1"/>
                 </a:solidFill>
                 <a:latin typeface="EC Square Sans Cond Pro" panose="020B0506040000020004"/>
               </a:rPr>
-              <a:t>accompagnied</a:t>
-            </a:r>
-            <a:r>
-              <a:rPr lang="en-US" sz="1600" i="1" dirty="0" smtClean="0">
-                <a:solidFill>
-                  <a:schemeClr val="tx1"/>
-                </a:solidFill>
-                <a:latin typeface="EC Square Sans Cond Pro" panose="020B0506040000020004"/>
-              </a:rPr>
-              <a:t> by GitHub pull request</a:t>
+              <a:t>accompanied by GitHub pull request</a:t>
             </a:r>
             <a:endParaRPr lang="da-DK" sz="1600" i="1" dirty="0">
               <a:solidFill>
@@ -13782,7 +14097,7 @@
         </p:blipFill>
         <p:spPr>
           <a:xfrm>
-            <a:off x="8182604" y="-885645"/>
+            <a:off x="8538204" y="-885645"/>
             <a:ext cx="272728" cy="272728"/>
           </a:xfrm>
           <a:prstGeom prst="rect">
@@ -13812,7 +14127,7 @@
         </p:blipFill>
         <p:spPr>
           <a:xfrm>
-            <a:off x="7116101" y="-1107144"/>
+            <a:off x="7458129" y="-1096984"/>
             <a:ext cx="238125" cy="238125"/>
           </a:xfrm>
           <a:prstGeom prst="rect">
@@ -13828,8 +14143,8 @@
         </p:nvSpPr>
         <p:spPr>
           <a:xfrm>
-            <a:off x="2096943" y="9334031"/>
-            <a:ext cx="926157" cy="298186"/>
+            <a:off x="2068007" y="9334032"/>
+            <a:ext cx="972000" cy="298800"/>
           </a:xfrm>
           <a:prstGeom prst="roundRect">
             <a:avLst>
@@ -13959,7 +14274,7 @@
           <a:p>
             <a:pPr algn="ctr"/>
             <a:r>
-              <a:rPr lang="da-DK" sz="1400" dirty="0" err="1" smtClean="0">
+              <a:rPr lang="da-DK" sz="1400" dirty="0" err="1">
                 <a:solidFill>
                   <a:schemeClr val="bg1"/>
                 </a:solidFill>
@@ -14750,7 +15065,7 @@
         </p:nvSpPr>
         <p:spPr>
           <a:xfrm>
-            <a:off x="2976070" y="11319237"/>
+            <a:off x="2976070" y="9934019"/>
             <a:ext cx="792000" cy="792000"/>
           </a:xfrm>
           <a:prstGeom prst="diamond">
@@ -15014,6 +15329,7 @@
         <p:nvCxnSpPr>
           <p:cNvPr id="92" name="Elbow Connector 91"/>
           <p:cNvCxnSpPr>
+            <a:cxnSpLocks/>
             <a:stCxn id="18" idx="2"/>
             <a:endCxn id="20" idx="0"/>
           </p:cNvCxnSpPr>
@@ -15021,8 +15337,8 @@
         </p:nvCxnSpPr>
         <p:spPr>
           <a:xfrm rot="16200000" flipH="1">
-            <a:off x="887597" y="3387972"/>
-            <a:ext cx="1324446" cy="3644501"/>
+            <a:off x="907227" y="3368342"/>
+            <a:ext cx="1324446" cy="3683761"/>
           </a:xfrm>
           <a:prstGeom prst="bentConnector3">
             <a:avLst>
@@ -15055,6 +15371,7 @@
         <p:nvCxnSpPr>
           <p:cNvPr id="93" name="Elbow Connector 92"/>
           <p:cNvCxnSpPr>
+            <a:cxnSpLocks/>
             <a:stCxn id="85" idx="2"/>
             <a:endCxn id="20" idx="0"/>
           </p:cNvCxnSpPr>
@@ -15062,8 +15379,8 @@
         </p:nvCxnSpPr>
         <p:spPr>
           <a:xfrm rot="5400000">
-            <a:off x="4505386" y="3414685"/>
-            <a:ext cx="1324446" cy="3591076"/>
+            <a:off x="4525016" y="3434315"/>
+            <a:ext cx="1324446" cy="3551816"/>
           </a:xfrm>
           <a:prstGeom prst="bentConnector3">
             <a:avLst>
@@ -15215,26 +15532,20 @@
           <a:p>
             <a:pPr algn="ctr"/>
             <a:r>
-              <a:rPr lang="en-GB" sz="2133" dirty="0" smtClean="0">
+              <a:rPr lang="en-GB" sz="2133" dirty="0">
                 <a:latin typeface="EC Square Sans Cond Pro" panose="020B0506040000020004" pitchFamily="34" charset="0"/>
               </a:rPr>
               <a:t>Implement change</a:t>
             </a:r>
-            <a:endParaRPr lang="en-GB" sz="2133" dirty="0">
-              <a:latin typeface="EC Square Sans Cond Pro" panose="020B0506040000020004" pitchFamily="34" charset="0"/>
-            </a:endParaRPr>
           </a:p>
           <a:p>
             <a:pPr algn="ctr"/>
             <a:r>
-              <a:rPr lang="en-GB" sz="2133" b="1" i="1" dirty="0" smtClean="0">
+              <a:rPr lang="en-GB" sz="2133" b="1" i="1" dirty="0">
                 <a:latin typeface="EC Square Sans Cond Pro" panose="020B0506040000020004" pitchFamily="34" charset="0"/>
               </a:rPr>
               <a:t>[JRC]</a:t>
             </a:r>
-            <a:endParaRPr lang="en-GB" sz="2133" b="1" i="1" dirty="0">
-              <a:latin typeface="EC Square Sans Cond Pro" panose="020B0506040000020004" pitchFamily="34" charset="0"/>
-            </a:endParaRPr>
           </a:p>
         </p:txBody>
       </p:sp>
@@ -15402,7 +15713,7 @@
               </a:lnSpc>
             </a:pPr>
             <a:r>
-              <a:rPr lang="en-GB" sz="2133" dirty="0" smtClean="0">
+              <a:rPr lang="en-GB" sz="2133" dirty="0">
                 <a:latin typeface="EC Square Sans Cond Pro" panose="020B0506040000020004" pitchFamily="34" charset="0"/>
               </a:rPr>
               <a:t>trivial change</a:t>
@@ -15554,7 +15865,7 @@
           <a:p>
             <a:pPr algn="ctr"/>
             <a:r>
-              <a:rPr lang="da-DK" sz="1400" dirty="0" smtClean="0">
+              <a:rPr lang="da-DK" sz="1400" dirty="0">
                 <a:solidFill>
                   <a:srgbClr val="000000"/>
                 </a:solidFill>
@@ -15562,12 +15873,6 @@
               </a:rPr>
               <a:t>for JRC</a:t>
             </a:r>
-            <a:endParaRPr lang="da-DK" sz="1400" dirty="0">
-              <a:solidFill>
-                <a:srgbClr val="000000"/>
-              </a:solidFill>
-              <a:latin typeface="EC Square Sans Cond Pro" panose="020B0506040000020004"/>
-            </a:endParaRPr>
           </a:p>
         </p:txBody>
       </p:sp>
@@ -15579,7 +15884,7 @@
         </p:nvSpPr>
         <p:spPr>
           <a:xfrm>
-            <a:off x="1940277" y="12818605"/>
+            <a:off x="2097194" y="14088919"/>
             <a:ext cx="2864471" cy="1077026"/>
           </a:xfrm>
           <a:prstGeom prst="rect">
@@ -15603,29 +15908,17 @@
               <a:rPr lang="en-GB" sz="2133" dirty="0">
                 <a:latin typeface="EC Square Sans Cond Pro" panose="020B0506040000020004" pitchFamily="34" charset="0"/>
               </a:rPr>
-              <a:t>Update </a:t>
-            </a:r>
-            <a:r>
-              <a:rPr lang="en-GB" sz="2133" dirty="0" smtClean="0">
-                <a:latin typeface="EC Square Sans Cond Pro" panose="020B0506040000020004" pitchFamily="34" charset="0"/>
-              </a:rPr>
-              <a:t>TG</a:t>
-            </a:r>
-            <a:endParaRPr lang="en-GB" sz="2133" dirty="0">
-              <a:latin typeface="EC Square Sans Cond Pro" panose="020B0506040000020004" pitchFamily="34" charset="0"/>
-            </a:endParaRPr>
+              <a:t>Update TG</a:t>
+            </a:r>
           </a:p>
           <a:p>
             <a:pPr algn="ctr"/>
             <a:r>
-              <a:rPr lang="en-GB" sz="2133" b="1" i="1" dirty="0" smtClean="0">
+              <a:rPr lang="en-GB" sz="2133" b="1" i="1" dirty="0">
                 <a:latin typeface="EC Square Sans Cond Pro" panose="020B0506040000020004" pitchFamily="34" charset="0"/>
               </a:rPr>
               <a:t>[Actors of TG governance process]</a:t>
             </a:r>
-            <a:endParaRPr lang="en-GB" sz="2133" b="1" i="1" dirty="0">
-              <a:latin typeface="EC Square Sans Cond Pro" panose="020B0506040000020004" pitchFamily="34" charset="0"/>
-            </a:endParaRPr>
           </a:p>
         </p:txBody>
       </p:sp>
@@ -15637,7 +15930,7 @@
         </p:nvSpPr>
         <p:spPr>
           <a:xfrm>
-            <a:off x="3505056" y="12239548"/>
+            <a:off x="3038850" y="13586886"/>
             <a:ext cx="1232715" cy="298186"/>
           </a:xfrm>
           <a:prstGeom prst="roundRect">
@@ -15674,7 +15967,7 @@
           <a:p>
             <a:pPr algn="ctr"/>
             <a:r>
-              <a:rPr lang="da-DK" sz="1400" dirty="0" err="1" smtClean="0">
+              <a:rPr lang="da-DK" sz="1400" dirty="0" err="1">
                 <a:solidFill>
                   <a:schemeClr val="tx1">
                     <a:lumMod val="50000"/>
@@ -15685,7 +15978,7 @@
               <a:t>impact</a:t>
             </a:r>
             <a:r>
-              <a:rPr lang="da-DK" sz="1400" dirty="0" smtClean="0">
+              <a:rPr lang="da-DK" sz="1400" dirty="0">
                 <a:solidFill>
                   <a:schemeClr val="tx1">
                     <a:lumMod val="50000"/>
@@ -15695,14 +15988,6 @@
               </a:rPr>
               <a:t> on TG</a:t>
             </a:r>
-            <a:endParaRPr lang="da-DK" sz="1400" dirty="0">
-              <a:solidFill>
-                <a:schemeClr val="tx1">
-                  <a:lumMod val="50000"/>
-                </a:schemeClr>
-              </a:solidFill>
-              <a:latin typeface="EC Square Sans Cond Pro" panose="020B0506040000020004"/>
-            </a:endParaRPr>
           </a:p>
         </p:txBody>
       </p:sp>
@@ -15714,7 +15999,7 @@
         </p:nvSpPr>
         <p:spPr>
           <a:xfrm>
-            <a:off x="1763782" y="12123356"/>
+            <a:off x="1249281" y="13371945"/>
             <a:ext cx="1652746" cy="616644"/>
           </a:xfrm>
           <a:prstGeom prst="rect">
@@ -15740,25 +16025,7 @@
               <a:rPr lang="en-GB" sz="2133" dirty="0">
                 <a:latin typeface="EC Square Sans Cond Pro" panose="020B0506040000020004" pitchFamily="34" charset="0"/>
               </a:rPr>
-              <a:t>r</a:t>
-            </a:r>
-            <a:r>
-              <a:rPr lang="en-GB" sz="2133" dirty="0" smtClean="0">
-                <a:latin typeface="EC Square Sans Cond Pro" panose="020B0506040000020004" pitchFamily="34" charset="0"/>
-              </a:rPr>
-              <a:t>equires </a:t>
-            </a:r>
-            <a:r>
-              <a:rPr lang="en-GB" sz="2133" dirty="0" smtClean="0">
-                <a:latin typeface="EC Square Sans Cond Pro" panose="020B0506040000020004" pitchFamily="34" charset="0"/>
-              </a:rPr>
-              <a:t>update </a:t>
-            </a:r>
-            <a:r>
-              <a:rPr lang="en-GB" sz="2133" dirty="0" smtClean="0">
-                <a:latin typeface="EC Square Sans Cond Pro" panose="020B0506040000020004" pitchFamily="34" charset="0"/>
-              </a:rPr>
-              <a:t>of TG</a:t>
+              <a:t>requires update of TG</a:t>
             </a:r>
             <a:endParaRPr lang="en-GB" sz="2133" i="1" dirty="0">
               <a:latin typeface="EC Square Sans Cond Pro" panose="020B0506040000020004" pitchFamily="34" charset="0"/>
@@ -15766,6 +16033,692 @@
           </a:p>
         </p:txBody>
       </p:sp>
+      <p:sp>
+        <p:nvSpPr>
+          <p:cNvPr id="3" name="TextBox 86">
+            <a:extLst>
+              <a:ext uri="{FF2B5EF4-FFF2-40B4-BE49-F238E27FC236}">
+                <a16:creationId xmlns:a16="http://schemas.microsoft.com/office/drawing/2014/main" id="{7B9DBB6C-CB4F-461D-3674-42B85C570AED}"/>
+              </a:ext>
+            </a:extLst>
+          </p:cNvPr>
+          <p:cNvSpPr txBox="1"/>
+          <p:nvPr/>
+        </p:nvSpPr>
+        <p:spPr>
+          <a:xfrm>
+            <a:off x="1000260" y="10345587"/>
+            <a:ext cx="1704091" cy="869854"/>
+          </a:xfrm>
+          <a:prstGeom prst="rect">
+            <a:avLst/>
+          </a:prstGeom>
+          <a:noFill/>
+          <a:ln w="19050">
+            <a:noFill/>
+          </a:ln>
+        </p:spPr>
+        <p:txBody>
+          <a:bodyPr wrap="square" rtlCol="0" anchor="ctr" anchorCtr="0">
+            <a:spAutoFit/>
+          </a:bodyPr>
+          <a:lstStyle/>
+          <a:p>
+            <a:pPr algn="ctr">
+              <a:lnSpc>
+                <a:spcPts val="2000"/>
+              </a:lnSpc>
+            </a:pPr>
+            <a:r>
+              <a:rPr lang="en-GB" sz="2133" dirty="0">
+                <a:latin typeface="EC Square Sans Cond Pro" panose="020B0506040000020004" pitchFamily="34" charset="0"/>
+              </a:rPr>
+              <a:t>does not require update of IR</a:t>
+            </a:r>
+            <a:endParaRPr lang="en-GB" sz="2133" i="1" dirty="0">
+              <a:latin typeface="EC Square Sans Cond Pro" panose="020B0506040000020004" pitchFamily="34" charset="0"/>
+            </a:endParaRPr>
+          </a:p>
+        </p:txBody>
+      </p:sp>
+      <p:sp>
+        <p:nvSpPr>
+          <p:cNvPr id="29" name="Diamond 87">
+            <a:extLst>
+              <a:ext uri="{FF2B5EF4-FFF2-40B4-BE49-F238E27FC236}">
+                <a16:creationId xmlns:a16="http://schemas.microsoft.com/office/drawing/2014/main" id="{5A45CBD1-FE20-52C2-5FC1-A425CB7478C5}"/>
+              </a:ext>
+            </a:extLst>
+          </p:cNvPr>
+          <p:cNvSpPr/>
+          <p:nvPr/>
+        </p:nvSpPr>
+        <p:spPr>
+          <a:xfrm>
+            <a:off x="-354043" y="12943981"/>
+            <a:ext cx="792000" cy="792000"/>
+          </a:xfrm>
+          <a:prstGeom prst="diamond">
+            <a:avLst/>
+          </a:prstGeom>
+          <a:noFill/>
+          <a:ln w="19050">
+            <a:solidFill>
+              <a:srgbClr val="0356B1"/>
+            </a:solidFill>
+          </a:ln>
+        </p:spPr>
+        <p:style>
+          <a:lnRef idx="2">
+            <a:schemeClr val="accent1">
+              <a:shade val="50000"/>
+            </a:schemeClr>
+          </a:lnRef>
+          <a:fillRef idx="1">
+            <a:schemeClr val="accent1"/>
+          </a:fillRef>
+          <a:effectRef idx="0">
+            <a:schemeClr val="accent1"/>
+          </a:effectRef>
+          <a:fontRef idx="minor">
+            <a:schemeClr val="lt1"/>
+          </a:fontRef>
+        </p:style>
+        <p:txBody>
+          <a:bodyPr rot="0" spcFirstLastPara="0" vert="horz" wrap="square" lIns="121920" tIns="60961" rIns="121920" bIns="60961" numCol="1" spcCol="0" rtlCol="0" fromWordArt="0" anchor="ctr" anchorCtr="0" forceAA="0" compatLnSpc="1">
+            <a:prstTxWarp prst="textNoShape">
+              <a:avLst/>
+            </a:prstTxWarp>
+            <a:noAutofit/>
+          </a:bodyPr>
+          <a:lstStyle>
+            <a:defPPr>
+              <a:defRPr lang="en-US"/>
+            </a:defPPr>
+            <a:lvl1pPr marL="0" algn="l" defTabSz="914400" rtl="0" eaLnBrk="1" latinLnBrk="0" hangingPunct="1">
+              <a:defRPr sz="1800" kern="1200">
+                <a:solidFill>
+                  <a:schemeClr val="lt1"/>
+                </a:solidFill>
+                <a:latin typeface="+mn-lt"/>
+                <a:ea typeface="+mn-ea"/>
+                <a:cs typeface="+mn-cs"/>
+              </a:defRPr>
+            </a:lvl1pPr>
+            <a:lvl2pPr marL="457200" algn="l" defTabSz="914400" rtl="0" eaLnBrk="1" latinLnBrk="0" hangingPunct="1">
+              <a:defRPr sz="1800" kern="1200">
+                <a:solidFill>
+                  <a:schemeClr val="lt1"/>
+                </a:solidFill>
+                <a:latin typeface="+mn-lt"/>
+                <a:ea typeface="+mn-ea"/>
+                <a:cs typeface="+mn-cs"/>
+              </a:defRPr>
+            </a:lvl2pPr>
+            <a:lvl3pPr marL="914400" algn="l" defTabSz="914400" rtl="0" eaLnBrk="1" latinLnBrk="0" hangingPunct="1">
+              <a:defRPr sz="1800" kern="1200">
+                <a:solidFill>
+                  <a:schemeClr val="lt1"/>
+                </a:solidFill>
+                <a:latin typeface="+mn-lt"/>
+                <a:ea typeface="+mn-ea"/>
+                <a:cs typeface="+mn-cs"/>
+              </a:defRPr>
+            </a:lvl3pPr>
+            <a:lvl4pPr marL="1371600" algn="l" defTabSz="914400" rtl="0" eaLnBrk="1" latinLnBrk="0" hangingPunct="1">
+              <a:defRPr sz="1800" kern="1200">
+                <a:solidFill>
+                  <a:schemeClr val="lt1"/>
+                </a:solidFill>
+                <a:latin typeface="+mn-lt"/>
+                <a:ea typeface="+mn-ea"/>
+                <a:cs typeface="+mn-cs"/>
+              </a:defRPr>
+            </a:lvl4pPr>
+            <a:lvl5pPr marL="1828800" algn="l" defTabSz="914400" rtl="0" eaLnBrk="1" latinLnBrk="0" hangingPunct="1">
+              <a:defRPr sz="1800" kern="1200">
+                <a:solidFill>
+                  <a:schemeClr val="lt1"/>
+                </a:solidFill>
+                <a:latin typeface="+mn-lt"/>
+                <a:ea typeface="+mn-ea"/>
+                <a:cs typeface="+mn-cs"/>
+              </a:defRPr>
+            </a:lvl5pPr>
+            <a:lvl6pPr marL="2286000" algn="l" defTabSz="914400" rtl="0" eaLnBrk="1" latinLnBrk="0" hangingPunct="1">
+              <a:defRPr sz="1800" kern="1200">
+                <a:solidFill>
+                  <a:schemeClr val="lt1"/>
+                </a:solidFill>
+                <a:latin typeface="+mn-lt"/>
+                <a:ea typeface="+mn-ea"/>
+                <a:cs typeface="+mn-cs"/>
+              </a:defRPr>
+            </a:lvl6pPr>
+            <a:lvl7pPr marL="2743200" algn="l" defTabSz="914400" rtl="0" eaLnBrk="1" latinLnBrk="0" hangingPunct="1">
+              <a:defRPr sz="1800" kern="1200">
+                <a:solidFill>
+                  <a:schemeClr val="lt1"/>
+                </a:solidFill>
+                <a:latin typeface="+mn-lt"/>
+                <a:ea typeface="+mn-ea"/>
+                <a:cs typeface="+mn-cs"/>
+              </a:defRPr>
+            </a:lvl7pPr>
+            <a:lvl8pPr marL="3200400" algn="l" defTabSz="914400" rtl="0" eaLnBrk="1" latinLnBrk="0" hangingPunct="1">
+              <a:defRPr sz="1800" kern="1200">
+                <a:solidFill>
+                  <a:schemeClr val="lt1"/>
+                </a:solidFill>
+                <a:latin typeface="+mn-lt"/>
+                <a:ea typeface="+mn-ea"/>
+                <a:cs typeface="+mn-cs"/>
+              </a:defRPr>
+            </a:lvl8pPr>
+            <a:lvl9pPr marL="3657600" algn="l" defTabSz="914400" rtl="0" eaLnBrk="1" latinLnBrk="0" hangingPunct="1">
+              <a:defRPr sz="1800" kern="1200">
+                <a:solidFill>
+                  <a:schemeClr val="lt1"/>
+                </a:solidFill>
+                <a:latin typeface="+mn-lt"/>
+                <a:ea typeface="+mn-ea"/>
+                <a:cs typeface="+mn-cs"/>
+              </a:defRPr>
+            </a:lvl9pPr>
+          </a:lstStyle>
+          <a:p>
+            <a:pPr algn="ctr"/>
+            <a:endParaRPr lang="en-GB" sz="2401"/>
+          </a:p>
+        </p:txBody>
+      </p:sp>
+      <p:cxnSp>
+        <p:nvCxnSpPr>
+          <p:cNvPr id="104" name="Straight Arrow Connector 22">
+            <a:extLst>
+              <a:ext uri="{FF2B5EF4-FFF2-40B4-BE49-F238E27FC236}">
+                <a16:creationId xmlns:a16="http://schemas.microsoft.com/office/drawing/2014/main" id="{B488FFA1-A78F-FE56-6191-4B6B4E4C55BE}"/>
+              </a:ext>
+            </a:extLst>
+          </p:cNvPr>
+          <p:cNvCxnSpPr>
+            <a:cxnSpLocks/>
+            <a:stCxn id="88" idx="1"/>
+            <a:endCxn id="31" idx="0"/>
+          </p:cNvCxnSpPr>
+          <p:nvPr/>
+        </p:nvCxnSpPr>
+        <p:spPr>
+          <a:xfrm rot="10800000" flipV="1">
+            <a:off x="41958" y="10330018"/>
+            <a:ext cx="2934112" cy="1006679"/>
+          </a:xfrm>
+          <a:prstGeom prst="bentConnector2">
+            <a:avLst/>
+          </a:prstGeom>
+          <a:ln w="15875">
+            <a:solidFill>
+              <a:schemeClr val="tx1"/>
+            </a:solidFill>
+            <a:tailEnd type="triangle" w="lg" len="lg"/>
+          </a:ln>
+        </p:spPr>
+        <p:style>
+          <a:lnRef idx="1">
+            <a:schemeClr val="accent1"/>
+          </a:lnRef>
+          <a:fillRef idx="0">
+            <a:schemeClr val="accent1"/>
+          </a:fillRef>
+          <a:effectRef idx="0">
+            <a:schemeClr val="accent1"/>
+          </a:effectRef>
+          <a:fontRef idx="minor">
+            <a:schemeClr val="tx1"/>
+          </a:fontRef>
+        </p:style>
+      </p:cxnSp>
+      <p:cxnSp>
+        <p:nvCxnSpPr>
+          <p:cNvPr id="128" name="Straight Arrow Connector 24">
+            <a:extLst>
+              <a:ext uri="{FF2B5EF4-FFF2-40B4-BE49-F238E27FC236}">
+                <a16:creationId xmlns:a16="http://schemas.microsoft.com/office/drawing/2014/main" id="{012D35A5-7EC7-9931-C964-8D655E774740}"/>
+              </a:ext>
+            </a:extLst>
+          </p:cNvPr>
+          <p:cNvCxnSpPr>
+            <a:cxnSpLocks/>
+            <a:stCxn id="29" idx="1"/>
+            <a:endCxn id="129" idx="0"/>
+          </p:cNvCxnSpPr>
+          <p:nvPr/>
+        </p:nvCxnSpPr>
+        <p:spPr>
+          <a:xfrm rot="10800000" flipV="1">
+            <a:off x="-951249" y="13339980"/>
+            <a:ext cx="597207" cy="2712173"/>
+          </a:xfrm>
+          <a:prstGeom prst="bentConnector2">
+            <a:avLst/>
+          </a:prstGeom>
+          <a:ln w="15875">
+            <a:solidFill>
+              <a:schemeClr val="tx1"/>
+            </a:solidFill>
+            <a:tailEnd type="triangle" w="lg" len="lg"/>
+          </a:ln>
+        </p:spPr>
+        <p:style>
+          <a:lnRef idx="1">
+            <a:schemeClr val="accent1"/>
+          </a:lnRef>
+          <a:fillRef idx="0">
+            <a:schemeClr val="accent1"/>
+          </a:fillRef>
+          <a:effectRef idx="0">
+            <a:schemeClr val="accent1"/>
+          </a:effectRef>
+          <a:fontRef idx="minor">
+            <a:schemeClr val="tx1"/>
+          </a:fontRef>
+        </p:style>
+      </p:cxnSp>
+      <p:sp>
+        <p:nvSpPr>
+          <p:cNvPr id="129" name="TextBox 97">
+            <a:extLst>
+              <a:ext uri="{FF2B5EF4-FFF2-40B4-BE49-F238E27FC236}">
+                <a16:creationId xmlns:a16="http://schemas.microsoft.com/office/drawing/2014/main" id="{88D7C4C2-7725-B298-5216-78D7821A9DDF}"/>
+              </a:ext>
+            </a:extLst>
+          </p:cNvPr>
+          <p:cNvSpPr txBox="1"/>
+          <p:nvPr/>
+        </p:nvSpPr>
+        <p:spPr>
+          <a:xfrm>
+            <a:off x="-2129883" y="16052154"/>
+            <a:ext cx="2357266" cy="748795"/>
+          </a:xfrm>
+          <a:prstGeom prst="rect">
+            <a:avLst/>
+          </a:prstGeom>
+          <a:noFill/>
+          <a:ln w="19050">
+            <a:solidFill>
+              <a:srgbClr val="0356B1"/>
+            </a:solidFill>
+          </a:ln>
+        </p:spPr>
+        <p:txBody>
+          <a:bodyPr wrap="square" rtlCol="0" anchor="ctr" anchorCtr="0">
+            <a:spAutoFit/>
+          </a:bodyPr>
+          <a:lstStyle/>
+          <a:p>
+            <a:pPr algn="ctr"/>
+            <a:r>
+              <a:rPr lang="en-GB" sz="2133" dirty="0">
+                <a:latin typeface="EC Square Sans Cond Pro" panose="020B0506040000020004" pitchFamily="34" charset="0"/>
+              </a:rPr>
+              <a:t>Update UML</a:t>
+            </a:r>
+          </a:p>
+          <a:p>
+            <a:pPr algn="ctr"/>
+            <a:r>
+              <a:rPr lang="en-GB" sz="2133" b="1" i="1" dirty="0">
+                <a:latin typeface="EC Square Sans Cond Pro" panose="020B0506040000020004" pitchFamily="34" charset="0"/>
+              </a:rPr>
+              <a:t>[JRC]</a:t>
+            </a:r>
+          </a:p>
+        </p:txBody>
+      </p:sp>
+      <p:sp>
+        <p:nvSpPr>
+          <p:cNvPr id="130" name="Rounded Rectangle 98">
+            <a:extLst>
+              <a:ext uri="{FF2B5EF4-FFF2-40B4-BE49-F238E27FC236}">
+                <a16:creationId xmlns:a16="http://schemas.microsoft.com/office/drawing/2014/main" id="{C2C3AC1A-6E10-D093-B4A3-A156A0B0A998}"/>
+              </a:ext>
+            </a:extLst>
+          </p:cNvPr>
+          <p:cNvSpPr/>
+          <p:nvPr/>
+        </p:nvSpPr>
+        <p:spPr>
+          <a:xfrm>
+            <a:off x="-2380065" y="15464682"/>
+            <a:ext cx="1404000" cy="298186"/>
+          </a:xfrm>
+          <a:prstGeom prst="roundRect">
+            <a:avLst>
+              <a:gd name="adj" fmla="val 50000"/>
+            </a:avLst>
+          </a:prstGeom>
+          <a:solidFill>
+            <a:srgbClr val="5EFBBB"/>
+          </a:solidFill>
+          <a:ln>
+            <a:noFill/>
+          </a:ln>
+        </p:spPr>
+        <p:style>
+          <a:lnRef idx="2">
+            <a:schemeClr val="accent1">
+              <a:shade val="50000"/>
+            </a:schemeClr>
+          </a:lnRef>
+          <a:fillRef idx="1">
+            <a:schemeClr val="accent1"/>
+          </a:fillRef>
+          <a:effectRef idx="0">
+            <a:schemeClr val="accent1"/>
+          </a:effectRef>
+          <a:fontRef idx="minor">
+            <a:schemeClr val="lt1"/>
+          </a:fontRef>
+        </p:style>
+        <p:txBody>
+          <a:bodyPr rtlCol="0" anchor="ctr"/>
+          <a:lstStyle/>
+          <a:p>
+            <a:pPr algn="ctr"/>
+            <a:r>
+              <a:rPr lang="da-DK" sz="1400" dirty="0">
+                <a:solidFill>
+                  <a:schemeClr val="tx1">
+                    <a:lumMod val="50000"/>
+                  </a:schemeClr>
+                </a:solidFill>
+                <a:latin typeface="EC Square Sans Cond Pro" panose="020B0506040000020004"/>
+              </a:rPr>
+              <a:t>impact on UML</a:t>
+            </a:r>
+          </a:p>
+        </p:txBody>
+      </p:sp>
+      <p:sp>
+        <p:nvSpPr>
+          <p:cNvPr id="131" name="TextBox 100">
+            <a:extLst>
+              <a:ext uri="{FF2B5EF4-FFF2-40B4-BE49-F238E27FC236}">
+                <a16:creationId xmlns:a16="http://schemas.microsoft.com/office/drawing/2014/main" id="{0D8DE66E-0786-D501-ED0F-8B826BA13128}"/>
+              </a:ext>
+            </a:extLst>
+          </p:cNvPr>
+          <p:cNvSpPr txBox="1"/>
+          <p:nvPr/>
+        </p:nvSpPr>
+        <p:spPr>
+          <a:xfrm>
+            <a:off x="-2460033" y="14640335"/>
+            <a:ext cx="1652746" cy="869854"/>
+          </a:xfrm>
+          <a:prstGeom prst="rect">
+            <a:avLst/>
+          </a:prstGeom>
+          <a:noFill/>
+          <a:ln w="19050">
+            <a:noFill/>
+          </a:ln>
+        </p:spPr>
+        <p:txBody>
+          <a:bodyPr wrap="square" rtlCol="0" anchor="ctr" anchorCtr="0">
+            <a:spAutoFit/>
+          </a:bodyPr>
+          <a:lstStyle/>
+          <a:p>
+            <a:pPr algn="ctr">
+              <a:lnSpc>
+                <a:spcPts val="2000"/>
+              </a:lnSpc>
+            </a:pPr>
+            <a:r>
+              <a:rPr lang="en-GB" sz="2133" dirty="0">
+                <a:latin typeface="EC Square Sans Cond Pro" panose="020B0506040000020004" pitchFamily="34" charset="0"/>
+              </a:rPr>
+              <a:t>requires update of UML</a:t>
+            </a:r>
+            <a:endParaRPr lang="en-GB" sz="2133" i="1" dirty="0">
+              <a:latin typeface="EC Square Sans Cond Pro" panose="020B0506040000020004" pitchFamily="34" charset="0"/>
+            </a:endParaRPr>
+          </a:p>
+        </p:txBody>
+      </p:sp>
+      <p:sp>
+        <p:nvSpPr>
+          <p:cNvPr id="140" name="TextBox 97">
+            <a:extLst>
+              <a:ext uri="{FF2B5EF4-FFF2-40B4-BE49-F238E27FC236}">
+                <a16:creationId xmlns:a16="http://schemas.microsoft.com/office/drawing/2014/main" id="{1DF73421-7163-823F-B4B4-80E3E1B88FD1}"/>
+              </a:ext>
+            </a:extLst>
+          </p:cNvPr>
+          <p:cNvSpPr txBox="1"/>
+          <p:nvPr/>
+        </p:nvSpPr>
+        <p:spPr>
+          <a:xfrm>
+            <a:off x="1687904" y="16773771"/>
+            <a:ext cx="2870199" cy="1077026"/>
+          </a:xfrm>
+          <a:prstGeom prst="rect">
+            <a:avLst/>
+          </a:prstGeom>
+          <a:noFill/>
+          <a:ln w="19050">
+            <a:solidFill>
+              <a:srgbClr val="0356B1"/>
+            </a:solidFill>
+          </a:ln>
+        </p:spPr>
+        <p:txBody>
+          <a:bodyPr wrap="square" rtlCol="0" anchor="ctr" anchorCtr="0">
+            <a:spAutoFit/>
+          </a:bodyPr>
+          <a:lstStyle/>
+          <a:p>
+            <a:pPr algn="ctr"/>
+            <a:r>
+              <a:rPr lang="en-GB" sz="2133" dirty="0">
+                <a:latin typeface="EC Square Sans Cond Pro" panose="020B0506040000020004" pitchFamily="34" charset="0"/>
+              </a:rPr>
+              <a:t>Update validator</a:t>
+            </a:r>
+          </a:p>
+          <a:p>
+            <a:pPr algn="ctr"/>
+            <a:r>
+              <a:rPr lang="en-GB" sz="2133" b="1" i="1" dirty="0">
+                <a:latin typeface="EC Square Sans Cond Pro" panose="020B0506040000020004" pitchFamily="34" charset="0"/>
+              </a:rPr>
+              <a:t>[Actors of validator governance structure]</a:t>
+            </a:r>
+          </a:p>
+        </p:txBody>
+      </p:sp>
+      <p:sp>
+        <p:nvSpPr>
+          <p:cNvPr id="141" name="TextBox 99">
+            <a:extLst>
+              <a:ext uri="{FF2B5EF4-FFF2-40B4-BE49-F238E27FC236}">
+                <a16:creationId xmlns:a16="http://schemas.microsoft.com/office/drawing/2014/main" id="{656769F0-4C27-65EA-15A4-BE2BE40D3CDC}"/>
+              </a:ext>
+            </a:extLst>
+          </p:cNvPr>
+          <p:cNvSpPr txBox="1"/>
+          <p:nvPr/>
+        </p:nvSpPr>
+        <p:spPr>
+          <a:xfrm>
+            <a:off x="1199922" y="15723035"/>
+            <a:ext cx="1944000" cy="611771"/>
+          </a:xfrm>
+          <a:prstGeom prst="rect">
+            <a:avLst/>
+          </a:prstGeom>
+          <a:noFill/>
+          <a:ln w="19050">
+            <a:noFill/>
+          </a:ln>
+        </p:spPr>
+        <p:txBody>
+          <a:bodyPr wrap="square" rtlCol="0" anchor="ctr" anchorCtr="0">
+            <a:spAutoFit/>
+          </a:bodyPr>
+          <a:lstStyle/>
+          <a:p>
+            <a:pPr algn="ctr">
+              <a:lnSpc>
+                <a:spcPts val="2000"/>
+              </a:lnSpc>
+            </a:pPr>
+            <a:r>
+              <a:rPr lang="en-GB" sz="2133" dirty="0">
+                <a:latin typeface="EC Square Sans Cond Pro" panose="020B0506040000020004" pitchFamily="34" charset="0"/>
+              </a:rPr>
+              <a:t>requires update of validator</a:t>
+            </a:r>
+          </a:p>
+        </p:txBody>
+      </p:sp>
+      <p:sp>
+        <p:nvSpPr>
+          <p:cNvPr id="142" name="Rounded Rectangle 129">
+            <a:extLst>
+              <a:ext uri="{FF2B5EF4-FFF2-40B4-BE49-F238E27FC236}">
+                <a16:creationId xmlns:a16="http://schemas.microsoft.com/office/drawing/2014/main" id="{06F1FF6B-0B75-7FA4-E6BD-1514E43B344C}"/>
+              </a:ext>
+            </a:extLst>
+          </p:cNvPr>
+          <p:cNvSpPr/>
+          <p:nvPr/>
+        </p:nvSpPr>
+        <p:spPr>
+          <a:xfrm>
+            <a:off x="1325922" y="16334806"/>
+            <a:ext cx="1692000" cy="298186"/>
+          </a:xfrm>
+          <a:prstGeom prst="roundRect">
+            <a:avLst>
+              <a:gd name="adj" fmla="val 50000"/>
+            </a:avLst>
+          </a:prstGeom>
+          <a:solidFill>
+            <a:srgbClr val="166DCB"/>
+          </a:solidFill>
+          <a:ln>
+            <a:noFill/>
+          </a:ln>
+        </p:spPr>
+        <p:style>
+          <a:lnRef idx="2">
+            <a:schemeClr val="accent1">
+              <a:shade val="50000"/>
+            </a:schemeClr>
+          </a:lnRef>
+          <a:fillRef idx="1">
+            <a:schemeClr val="accent1"/>
+          </a:fillRef>
+          <a:effectRef idx="0">
+            <a:schemeClr val="accent1"/>
+          </a:effectRef>
+          <a:fontRef idx="minor">
+            <a:schemeClr val="lt1"/>
+          </a:fontRef>
+        </p:style>
+        <p:txBody>
+          <a:bodyPr rtlCol="0" anchor="ctr"/>
+          <a:lstStyle/>
+          <a:p>
+            <a:pPr algn="ctr"/>
+            <a:r>
+              <a:rPr lang="da-DK" sz="1400" dirty="0" err="1">
+                <a:solidFill>
+                  <a:schemeClr val="bg1"/>
+                </a:solidFill>
+                <a:latin typeface="EC Square Sans Cond Pro" panose="020B0506040000020004"/>
+              </a:rPr>
+              <a:t>impact</a:t>
+            </a:r>
+            <a:r>
+              <a:rPr lang="da-DK" sz="1400" dirty="0">
+                <a:solidFill>
+                  <a:schemeClr val="bg1"/>
+                </a:solidFill>
+                <a:latin typeface="EC Square Sans Cond Pro" panose="020B0506040000020004"/>
+              </a:rPr>
+              <a:t> on </a:t>
+            </a:r>
+            <a:r>
+              <a:rPr lang="da-DK" sz="1400" dirty="0" err="1">
+                <a:solidFill>
+                  <a:schemeClr val="bg1"/>
+                </a:solidFill>
+                <a:latin typeface="EC Square Sans Cond Pro" panose="020B0506040000020004"/>
+              </a:rPr>
+              <a:t>validator</a:t>
+            </a:r>
+            <a:endParaRPr lang="da-DK" sz="1400" dirty="0">
+              <a:solidFill>
+                <a:schemeClr val="bg1"/>
+              </a:solidFill>
+              <a:latin typeface="EC Square Sans Cond Pro" panose="020B0506040000020004"/>
+            </a:endParaRPr>
+          </a:p>
+        </p:txBody>
+      </p:sp>
+      <p:cxnSp>
+        <p:nvCxnSpPr>
+          <p:cNvPr id="144" name="Straight Arrow Connector 24">
+            <a:extLst>
+              <a:ext uri="{FF2B5EF4-FFF2-40B4-BE49-F238E27FC236}">
+                <a16:creationId xmlns:a16="http://schemas.microsoft.com/office/drawing/2014/main" id="{B1B789B7-758E-6953-4D76-497EE4EF8FFF}"/>
+              </a:ext>
+            </a:extLst>
+          </p:cNvPr>
+          <p:cNvCxnSpPr>
+            <a:cxnSpLocks/>
+            <a:stCxn id="29" idx="2"/>
+            <a:endCxn id="140" idx="0"/>
+          </p:cNvCxnSpPr>
+          <p:nvPr/>
+        </p:nvCxnSpPr>
+        <p:spPr>
+          <a:xfrm rot="16200000" flipH="1">
+            <a:off x="63585" y="13714352"/>
+            <a:ext cx="3037790" cy="3081047"/>
+          </a:xfrm>
+          <a:prstGeom prst="bentConnector3">
+            <a:avLst>
+              <a:gd name="adj1" fmla="val 55045"/>
+            </a:avLst>
+          </a:prstGeom>
+          <a:ln w="15875">
+            <a:solidFill>
+              <a:schemeClr val="tx1"/>
+            </a:solidFill>
+            <a:tailEnd type="triangle" w="lg" len="lg"/>
+          </a:ln>
+        </p:spPr>
+        <p:style>
+          <a:lnRef idx="1">
+            <a:schemeClr val="accent1"/>
+          </a:lnRef>
+          <a:fillRef idx="0">
+            <a:schemeClr val="accent1"/>
+          </a:fillRef>
+          <a:effectRef idx="0">
+            <a:schemeClr val="accent1"/>
+          </a:effectRef>
+          <a:fontRef idx="minor">
+            <a:schemeClr val="tx1"/>
+          </a:fontRef>
+        </p:style>
+      </p:cxnSp>
     </p:spTree>
     <p:extLst>
       <p:ext uri="{BB962C8B-B14F-4D97-AF65-F5344CB8AC3E}">

--- a/governance-release-process/governance_process_workflow.pptx
+++ b/governance-release-process/governance_process_workflow.pptx
@@ -129,6 +129,14 @@
 </p:presentation>
 </file>
 
+<file path=ppt/revisionInfo.xml><?xml version="1.0" encoding="utf-8"?>
+<p1510:revInfo xmlns:a="http://schemas.openxmlformats.org/drawingml/2006/main" xmlns:r="http://schemas.openxmlformats.org/officeDocument/2006/relationships" xmlns:p1510="http://schemas.microsoft.com/office/powerpoint/2015/10/main">
+  <p1510:revLst>
+    <p1510:client id="{76987970-616D-4983-BBB2-47948D23D6BB}" v="1" dt="2023-01-24T17:37:06.248"/>
+  </p1510:revLst>
+</p1510:revInfo>
+</file>
+
 <file path=ppt/changesInfos/changesInfo1.xml><?xml version="1.0" encoding="utf-8"?>
 <pc:chgInfo xmlns:a="http://schemas.openxmlformats.org/drawingml/2006/main" xmlns:r="http://schemas.openxmlformats.org/officeDocument/2006/relationships" xmlns:ac="http://schemas.microsoft.com/office/drawing/2013/main/command" xmlns:pc="http://schemas.microsoft.com/office/powerpoint/2013/main/command">
   <pc:docChgLst>
@@ -210,6 +218,158 @@
         </pc:cxnChg>
         <pc:cxnChg chg="mod">
           <ac:chgData name="Fabio Vinci" userId="2a8124e690d2756c" providerId="LiveId" clId="{DAA9D501-8D83-4BE7-892D-DB39550B6510}" dt="2022-12-20T09:19:58.234" v="24" actId="14100"/>
+          <ac:cxnSpMkLst>
+            <pc:docMk/>
+            <pc:sldMk cId="2567996149" sldId="267"/>
+            <ac:cxnSpMk id="144" creationId="{B1B789B7-758E-6953-4D76-497EE4EF8FFF}"/>
+          </ac:cxnSpMkLst>
+        </pc:cxnChg>
+      </pc:sldChg>
+    </pc:docChg>
+  </pc:docChgLst>
+  <pc:docChgLst>
+    <pc:chgData name="Fabio Vinci" userId="2a8124e690d2756c" providerId="LiveId" clId="{76987970-616D-4983-BBB2-47948D23D6BB}"/>
+    <pc:docChg chg="undo custSel modSld">
+      <pc:chgData name="Fabio Vinci" userId="2a8124e690d2756c" providerId="LiveId" clId="{76987970-616D-4983-BBB2-47948D23D6BB}" dt="2023-01-24T17:43:54.517" v="132" actId="14100"/>
+      <pc:docMkLst>
+        <pc:docMk/>
+      </pc:docMkLst>
+      <pc:sldChg chg="addSp modSp mod">
+        <pc:chgData name="Fabio Vinci" userId="2a8124e690d2756c" providerId="LiveId" clId="{76987970-616D-4983-BBB2-47948D23D6BB}" dt="2023-01-24T17:43:54.517" v="132" actId="14100"/>
+        <pc:sldMkLst>
+          <pc:docMk/>
+          <pc:sldMk cId="2567996149" sldId="267"/>
+        </pc:sldMkLst>
+        <pc:spChg chg="mod">
+          <ac:chgData name="Fabio Vinci" userId="2a8124e690d2756c" providerId="LiveId" clId="{76987970-616D-4983-BBB2-47948D23D6BB}" dt="2023-01-24T17:38:50.641" v="64" actId="1076"/>
+          <ac:spMkLst>
+            <pc:docMk/>
+            <pc:sldMk cId="2567996149" sldId="267"/>
+            <ac:spMk id="4" creationId="{00000000-0000-0000-0000-000000000000}"/>
+          </ac:spMkLst>
+        </pc:spChg>
+        <pc:spChg chg="add mod">
+          <ac:chgData name="Fabio Vinci" userId="2a8124e690d2756c" providerId="LiveId" clId="{76987970-616D-4983-BBB2-47948D23D6BB}" dt="2023-01-24T17:42:58.061" v="129" actId="1038"/>
+          <ac:spMkLst>
+            <pc:docMk/>
+            <pc:sldMk cId="2567996149" sldId="267"/>
+            <ac:spMk id="28" creationId="{81DD3ADE-2215-8DAD-74B0-CCDDE9A71D5D}"/>
+          </ac:spMkLst>
+        </pc:spChg>
+        <pc:spChg chg="mod">
+          <ac:chgData name="Fabio Vinci" userId="2a8124e690d2756c" providerId="LiveId" clId="{76987970-616D-4983-BBB2-47948D23D6BB}" dt="2023-01-24T17:42:00.733" v="102" actId="1076"/>
+          <ac:spMkLst>
+            <pc:docMk/>
+            <pc:sldMk cId="2567996149" sldId="267"/>
+            <ac:spMk id="29" creationId="{5A45CBD1-FE20-52C2-5FC1-A425CB7478C5}"/>
+          </ac:spMkLst>
+        </pc:spChg>
+        <pc:spChg chg="mod">
+          <ac:chgData name="Fabio Vinci" userId="2a8124e690d2756c" providerId="LiveId" clId="{76987970-616D-4983-BBB2-47948D23D6BB}" dt="2023-01-24T17:43:50.789" v="131" actId="1076"/>
+          <ac:spMkLst>
+            <pc:docMk/>
+            <pc:sldMk cId="2567996149" sldId="267"/>
+            <ac:spMk id="31" creationId="{00000000-0000-0000-0000-000000000000}"/>
+          </ac:spMkLst>
+        </pc:spChg>
+        <pc:spChg chg="add mod">
+          <ac:chgData name="Fabio Vinci" userId="2a8124e690d2756c" providerId="LiveId" clId="{76987970-616D-4983-BBB2-47948D23D6BB}" dt="2023-01-24T17:42:58.061" v="129" actId="1038"/>
+          <ac:spMkLst>
+            <pc:docMk/>
+            <pc:sldMk cId="2567996149" sldId="267"/>
+            <ac:spMk id="57" creationId="{15B1CFF9-220E-BA42-227F-DD6246538175}"/>
+          </ac:spMkLst>
+        </pc:spChg>
+        <pc:spChg chg="mod">
+          <ac:chgData name="Fabio Vinci" userId="2a8124e690d2756c" providerId="LiveId" clId="{76987970-616D-4983-BBB2-47948D23D6BB}" dt="2023-01-24T17:39:29.477" v="100" actId="14100"/>
+          <ac:spMkLst>
+            <pc:docMk/>
+            <pc:sldMk cId="2567996149" sldId="267"/>
+            <ac:spMk id="98" creationId="{00000000-0000-0000-0000-000000000000}"/>
+          </ac:spMkLst>
+        </pc:spChg>
+        <pc:spChg chg="mod">
+          <ac:chgData name="Fabio Vinci" userId="2a8124e690d2756c" providerId="LiveId" clId="{76987970-616D-4983-BBB2-47948D23D6BB}" dt="2023-01-24T17:43:16.059" v="130" actId="1076"/>
+          <ac:spMkLst>
+            <pc:docMk/>
+            <pc:sldMk cId="2567996149" sldId="267"/>
+            <ac:spMk id="99" creationId="{00000000-0000-0000-0000-000000000000}"/>
+          </ac:spMkLst>
+        </pc:spChg>
+        <pc:spChg chg="mod">
+          <ac:chgData name="Fabio Vinci" userId="2a8124e690d2756c" providerId="LiveId" clId="{76987970-616D-4983-BBB2-47948D23D6BB}" dt="2023-01-24T17:42:13.637" v="104" actId="1076"/>
+          <ac:spMkLst>
+            <pc:docMk/>
+            <pc:sldMk cId="2567996149" sldId="267"/>
+            <ac:spMk id="101" creationId="{00000000-0000-0000-0000-000000000000}"/>
+          </ac:spMkLst>
+        </pc:spChg>
+        <pc:spChg chg="mod">
+          <ac:chgData name="Fabio Vinci" userId="2a8124e690d2756c" providerId="LiveId" clId="{76987970-616D-4983-BBB2-47948D23D6BB}" dt="2023-01-24T17:39:04.860" v="97" actId="1037"/>
+          <ac:spMkLst>
+            <pc:docMk/>
+            <pc:sldMk cId="2567996149" sldId="267"/>
+            <ac:spMk id="140" creationId="{1DF73421-7163-823F-B4B4-80E3E1B88FD1}"/>
+          </ac:spMkLst>
+        </pc:spChg>
+        <pc:spChg chg="mod">
+          <ac:chgData name="Fabio Vinci" userId="2a8124e690d2756c" providerId="LiveId" clId="{76987970-616D-4983-BBB2-47948D23D6BB}" dt="2023-01-24T17:39:04.860" v="97" actId="1037"/>
+          <ac:spMkLst>
+            <pc:docMk/>
+            <pc:sldMk cId="2567996149" sldId="267"/>
+            <ac:spMk id="141" creationId="{656769F0-4C27-65EA-15A4-BE2BE40D3CDC}"/>
+          </ac:spMkLst>
+        </pc:spChg>
+        <pc:spChg chg="mod">
+          <ac:chgData name="Fabio Vinci" userId="2a8124e690d2756c" providerId="LiveId" clId="{76987970-616D-4983-BBB2-47948D23D6BB}" dt="2023-01-24T17:39:04.860" v="97" actId="1037"/>
+          <ac:spMkLst>
+            <pc:docMk/>
+            <pc:sldMk cId="2567996149" sldId="267"/>
+            <ac:spMk id="142" creationId="{06F1FF6B-0B75-7FA4-E6BD-1514E43B344C}"/>
+          </ac:spMkLst>
+        </pc:spChg>
+        <pc:cxnChg chg="add mod">
+          <ac:chgData name="Fabio Vinci" userId="2a8124e690d2756c" providerId="LiveId" clId="{76987970-616D-4983-BBB2-47948D23D6BB}" dt="2023-01-24T17:43:54.517" v="132" actId="14100"/>
+          <ac:cxnSpMkLst>
+            <pc:docMk/>
+            <pc:sldMk cId="2567996149" sldId="267"/>
+            <ac:cxnSpMk id="2" creationId="{781A127D-6AB4-07FD-AC6C-8ABFAE9B3144}"/>
+          </ac:cxnSpMkLst>
+        </pc:cxnChg>
+        <pc:cxnChg chg="mod">
+          <ac:chgData name="Fabio Vinci" userId="2a8124e690d2756c" providerId="LiveId" clId="{76987970-616D-4983-BBB2-47948D23D6BB}" dt="2023-01-24T17:43:50.789" v="131" actId="1076"/>
+          <ac:cxnSpMkLst>
+            <pc:docMk/>
+            <pc:sldMk cId="2567996149" sldId="267"/>
+            <ac:cxnSpMk id="22" creationId="{00000000-0000-0000-0000-000000000000}"/>
+          </ac:cxnSpMkLst>
+        </pc:cxnChg>
+        <pc:cxnChg chg="mod">
+          <ac:chgData name="Fabio Vinci" userId="2a8124e690d2756c" providerId="LiveId" clId="{76987970-616D-4983-BBB2-47948D23D6BB}" dt="2023-01-24T17:42:00.733" v="102" actId="1076"/>
+          <ac:cxnSpMkLst>
+            <pc:docMk/>
+            <pc:sldMk cId="2567996149" sldId="267"/>
+            <ac:cxnSpMk id="74" creationId="{00000000-0000-0000-0000-000000000000}"/>
+          </ac:cxnSpMkLst>
+        </pc:cxnChg>
+        <pc:cxnChg chg="mod">
+          <ac:chgData name="Fabio Vinci" userId="2a8124e690d2756c" providerId="LiveId" clId="{76987970-616D-4983-BBB2-47948D23D6BB}" dt="2023-01-24T17:43:50.789" v="131" actId="1076"/>
+          <ac:cxnSpMkLst>
+            <pc:docMk/>
+            <pc:sldMk cId="2567996149" sldId="267"/>
+            <ac:cxnSpMk id="104" creationId="{B488FFA1-A78F-FE56-6191-4B6B4E4C55BE}"/>
+          </ac:cxnSpMkLst>
+        </pc:cxnChg>
+        <pc:cxnChg chg="mod">
+          <ac:chgData name="Fabio Vinci" userId="2a8124e690d2756c" providerId="LiveId" clId="{76987970-616D-4983-BBB2-47948D23D6BB}" dt="2023-01-24T17:42:00.733" v="102" actId="1076"/>
+          <ac:cxnSpMkLst>
+            <pc:docMk/>
+            <pc:sldMk cId="2567996149" sldId="267"/>
+            <ac:cxnSpMk id="128" creationId="{012D35A5-7EC7-9931-C964-8D655E774740}"/>
+          </ac:cxnSpMkLst>
+        </pc:cxnChg>
+        <pc:cxnChg chg="mod">
+          <ac:chgData name="Fabio Vinci" userId="2a8124e690d2756c" providerId="LiveId" clId="{76987970-616D-4983-BBB2-47948D23D6BB}" dt="2023-01-24T17:42:00.733" v="102" actId="1076"/>
           <ac:cxnSpMkLst>
             <pc:docMk/>
             <pc:sldMk cId="2567996149" sldId="267"/>
@@ -615,7 +775,7 @@
           <a:p>
             <a:fld id="{3A939EFE-0303-44F6-9A16-FD3B5E015DB1}" type="datetimeFigureOut">
               <a:rPr lang="en-GB" smtClean="0"/>
-              <a:t>20/12/2022</a:t>
+              <a:t>24/01/2023</a:t>
             </a:fld>
             <a:endParaRPr lang="en-GB"/>
           </a:p>
@@ -781,7 +941,7 @@
           <a:p>
             <a:fld id="{A3B926D1-0013-4A80-B64E-9D824EE65210}" type="datetimeFigureOut">
               <a:rPr lang="en-GB" smtClean="0"/>
-              <a:t>20/12/2022</a:t>
+              <a:t>24/01/2023</a:t>
             </a:fld>
             <a:endParaRPr lang="en-GB"/>
           </a:p>
@@ -8809,9 +8969,9 @@
           <p:nvPr/>
         </p:nvCxnSpPr>
         <p:spPr>
-          <a:xfrm flipH="1">
-            <a:off x="41957" y="12085493"/>
-            <a:ext cx="1" cy="858488"/>
+          <a:xfrm>
+            <a:off x="41956" y="12317666"/>
+            <a:ext cx="1" cy="1412867"/>
           </a:xfrm>
           <a:prstGeom prst="straightConnector1">
             <a:avLst/>
@@ -9477,7 +9637,7 @@
         </p:nvSpPr>
         <p:spPr>
           <a:xfrm>
-            <a:off x="-1393142" y="11336698"/>
+            <a:off x="-1393144" y="11568871"/>
             <a:ext cx="2870199" cy="748795"/>
           </a:xfrm>
           <a:prstGeom prst="rect">
@@ -13861,19 +14021,17 @@
           <p:cNvCxnSpPr>
             <a:cxnSpLocks/>
             <a:stCxn id="29" idx="3"/>
-            <a:endCxn id="98" idx="1"/>
+            <a:endCxn id="98" idx="0"/>
           </p:cNvCxnSpPr>
           <p:nvPr/>
         </p:nvCxnSpPr>
         <p:spPr>
           <a:xfrm>
-            <a:off x="437957" y="13339981"/>
-            <a:ext cx="1659237" cy="1287451"/>
-          </a:xfrm>
-          <a:prstGeom prst="bentConnector3">
-            <a:avLst>
-              <a:gd name="adj1" fmla="val 50000"/>
-            </a:avLst>
+            <a:off x="437957" y="14126533"/>
+            <a:ext cx="4209186" cy="946657"/>
+          </a:xfrm>
+          <a:prstGeom prst="bentConnector2">
+            <a:avLst/>
           </a:prstGeom>
           <a:ln w="15875">
             <a:solidFill>
@@ -15884,7 +16042,7 @@
         </p:nvSpPr>
         <p:spPr>
           <a:xfrm>
-            <a:off x="2097194" y="14088919"/>
+            <a:off x="3214907" y="15073190"/>
             <a:ext cx="2864471" cy="1077026"/>
           </a:xfrm>
           <a:prstGeom prst="rect">
@@ -15930,7 +16088,7 @@
         </p:nvSpPr>
         <p:spPr>
           <a:xfrm>
-            <a:off x="3038850" y="13586886"/>
+            <a:off x="4872210" y="14564375"/>
             <a:ext cx="1232715" cy="298186"/>
           </a:xfrm>
           <a:prstGeom prst="roundRect">
@@ -15999,8 +16157,8 @@
         </p:nvSpPr>
         <p:spPr>
           <a:xfrm>
-            <a:off x="1249281" y="13371945"/>
-            <a:ext cx="1652746" cy="616644"/>
+            <a:off x="2797313" y="14406782"/>
+            <a:ext cx="1652746" cy="613373"/>
           </a:xfrm>
           <a:prstGeom prst="rect">
             <a:avLst/>
@@ -16095,7 +16253,7 @@
         </p:nvSpPr>
         <p:spPr>
           <a:xfrm>
-            <a:off x="-354043" y="12943981"/>
+            <a:off x="-354043" y="13730533"/>
             <a:ext cx="792000" cy="792000"/>
           </a:xfrm>
           <a:prstGeom prst="diamond">
@@ -16250,8 +16408,8 @@
         </p:nvCxnSpPr>
         <p:spPr>
           <a:xfrm rot="10800000" flipV="1">
-            <a:off x="41958" y="10330018"/>
-            <a:ext cx="2934112" cy="1006679"/>
+            <a:off x="41956" y="10330019"/>
+            <a:ext cx="2934114" cy="1238852"/>
           </a:xfrm>
           <a:prstGeom prst="bentConnector2">
             <a:avLst/>
@@ -16296,8 +16454,8 @@
         </p:nvCxnSpPr>
         <p:spPr>
           <a:xfrm rot="10800000" flipV="1">
-            <a:off x="-951249" y="13339980"/>
-            <a:ext cx="597207" cy="2712173"/>
+            <a:off x="-951249" y="14126532"/>
+            <a:ext cx="597207" cy="1925621"/>
           </a:xfrm>
           <a:prstGeom prst="bentConnector2">
             <a:avLst/>
@@ -16502,7 +16660,7 @@
         </p:nvSpPr>
         <p:spPr>
           <a:xfrm>
-            <a:off x="1687904" y="16773771"/>
+            <a:off x="1040204" y="16773771"/>
             <a:ext cx="2870199" cy="1077026"/>
           </a:xfrm>
           <a:prstGeom prst="rect">
@@ -16554,7 +16712,7 @@
         </p:nvSpPr>
         <p:spPr>
           <a:xfrm>
-            <a:off x="1199922" y="15723035"/>
+            <a:off x="552222" y="15723035"/>
             <a:ext cx="1944000" cy="611771"/>
           </a:xfrm>
           <a:prstGeom prst="rect">
@@ -16599,7 +16757,7 @@
         </p:nvSpPr>
         <p:spPr>
           <a:xfrm>
-            <a:off x="1325922" y="16334806"/>
+            <a:off x="678222" y="16334806"/>
             <a:ext cx="1692000" cy="298186"/>
           </a:xfrm>
           <a:prstGeom prst="roundRect">
@@ -16689,12 +16847,12 @@
         </p:nvCxnSpPr>
         <p:spPr>
           <a:xfrm rot="16200000" flipH="1">
-            <a:off x="63585" y="13714352"/>
-            <a:ext cx="3037790" cy="3081047"/>
+            <a:off x="133011" y="14431478"/>
+            <a:ext cx="2251238" cy="2433347"/>
           </a:xfrm>
           <a:prstGeom prst="bentConnector3">
             <a:avLst>
-              <a:gd name="adj1" fmla="val 55045"/>
+              <a:gd name="adj1" fmla="val 50000"/>
             </a:avLst>
           </a:prstGeom>
           <a:ln w="15875">
@@ -16719,6 +16877,165 @@
           </a:fontRef>
         </p:style>
       </p:cxnSp>
+      <p:cxnSp>
+        <p:nvCxnSpPr>
+          <p:cNvPr id="2" name="Straight Arrow Connector 78">
+            <a:extLst>
+              <a:ext uri="{FF2B5EF4-FFF2-40B4-BE49-F238E27FC236}">
+                <a16:creationId xmlns:a16="http://schemas.microsoft.com/office/drawing/2014/main" id="{781A127D-6AB4-07FD-AC6C-8ABFAE9B3144}"/>
+              </a:ext>
+            </a:extLst>
+          </p:cNvPr>
+          <p:cNvCxnSpPr>
+            <a:cxnSpLocks/>
+            <a:stCxn id="27" idx="1"/>
+            <a:endCxn id="31" idx="3"/>
+          </p:cNvCxnSpPr>
+          <p:nvPr/>
+        </p:nvCxnSpPr>
+        <p:spPr>
+          <a:xfrm rot="10800000">
+            <a:off x="1477056" y="11943270"/>
+            <a:ext cx="4050993" cy="1409707"/>
+          </a:xfrm>
+          <a:prstGeom prst="bentConnector3">
+            <a:avLst>
+              <a:gd name="adj1" fmla="val 77902"/>
+            </a:avLst>
+          </a:prstGeom>
+          <a:ln w="15875">
+            <a:solidFill>
+              <a:schemeClr val="tx1"/>
+            </a:solidFill>
+            <a:prstDash val="dash"/>
+            <a:tailEnd type="triangle" w="lg" len="lg"/>
+          </a:ln>
+        </p:spPr>
+        <p:style>
+          <a:lnRef idx="1">
+            <a:schemeClr val="accent1"/>
+          </a:lnRef>
+          <a:fillRef idx="0">
+            <a:schemeClr val="accent1"/>
+          </a:fillRef>
+          <a:effectRef idx="0">
+            <a:schemeClr val="accent1"/>
+          </a:effectRef>
+          <a:fontRef idx="minor">
+            <a:schemeClr val="tx1"/>
+          </a:fontRef>
+        </p:style>
+      </p:cxnSp>
+      <p:sp>
+        <p:nvSpPr>
+          <p:cNvPr id="28" name="Rounded Rectangle 127">
+            <a:extLst>
+              <a:ext uri="{FF2B5EF4-FFF2-40B4-BE49-F238E27FC236}">
+                <a16:creationId xmlns:a16="http://schemas.microsoft.com/office/drawing/2014/main" id="{81DD3ADE-2215-8DAD-74B0-CCDDE9A71D5D}"/>
+              </a:ext>
+            </a:extLst>
+          </p:cNvPr>
+          <p:cNvSpPr/>
+          <p:nvPr/>
+        </p:nvSpPr>
+        <p:spPr>
+          <a:xfrm>
+            <a:off x="3243594" y="12392546"/>
+            <a:ext cx="1355987" cy="298186"/>
+          </a:xfrm>
+          <a:prstGeom prst="roundRect">
+            <a:avLst>
+              <a:gd name="adj" fmla="val 50000"/>
+            </a:avLst>
+          </a:prstGeom>
+          <a:solidFill>
+            <a:srgbClr val="CF8D23"/>
+          </a:solidFill>
+          <a:ln>
+            <a:noFill/>
+          </a:ln>
+        </p:spPr>
+        <p:style>
+          <a:lnRef idx="2">
+            <a:schemeClr val="accent1">
+              <a:shade val="50000"/>
+            </a:schemeClr>
+          </a:lnRef>
+          <a:fillRef idx="1">
+            <a:schemeClr val="accent1"/>
+          </a:fillRef>
+          <a:effectRef idx="0">
+            <a:schemeClr val="accent1"/>
+          </a:effectRef>
+          <a:fontRef idx="minor">
+            <a:schemeClr val="lt1"/>
+          </a:fontRef>
+        </p:style>
+        <p:txBody>
+          <a:bodyPr rtlCol="0" anchor="ctr"/>
+          <a:lstStyle/>
+          <a:p>
+            <a:pPr algn="ctr"/>
+            <a:r>
+              <a:rPr lang="da-DK" sz="1400" dirty="0">
+                <a:solidFill>
+                  <a:schemeClr val="bg1"/>
+                </a:solidFill>
+                <a:latin typeface="EC Square Sans Cond Pro" panose="020B0506040000020004"/>
+              </a:rPr>
+              <a:t>IR revised</a:t>
+            </a:r>
+          </a:p>
+        </p:txBody>
+      </p:sp>
+      <p:sp>
+        <p:nvSpPr>
+          <p:cNvPr id="57" name="TextBox 86">
+            <a:extLst>
+              <a:ext uri="{FF2B5EF4-FFF2-40B4-BE49-F238E27FC236}">
+                <a16:creationId xmlns:a16="http://schemas.microsoft.com/office/drawing/2014/main" id="{15B1CFF9-220E-BA42-227F-DD6246538175}"/>
+              </a:ext>
+            </a:extLst>
+          </p:cNvPr>
+          <p:cNvSpPr txBox="1"/>
+          <p:nvPr/>
+        </p:nvSpPr>
+        <p:spPr>
+          <a:xfrm>
+            <a:off x="2457963" y="12681654"/>
+            <a:ext cx="2870198" cy="613373"/>
+          </a:xfrm>
+          <a:prstGeom prst="rect">
+            <a:avLst/>
+          </a:prstGeom>
+          <a:noFill/>
+          <a:ln w="19050">
+            <a:noFill/>
+          </a:ln>
+        </p:spPr>
+        <p:txBody>
+          <a:bodyPr wrap="square" rtlCol="0" anchor="ctr" anchorCtr="0">
+            <a:spAutoFit/>
+          </a:bodyPr>
+          <a:lstStyle/>
+          <a:p>
+            <a:pPr algn="ctr">
+              <a:lnSpc>
+                <a:spcPts val="2000"/>
+              </a:lnSpc>
+            </a:pPr>
+            <a:r>
+              <a:rPr lang="en-GB" sz="2133" dirty="0">
+                <a:latin typeface="EC Square Sans Cond Pro" panose="020B0506040000020004" pitchFamily="34" charset="0"/>
+              </a:rPr>
+              <a:t>if endorsed and after publication of revised IR</a:t>
+            </a:r>
+            <a:endParaRPr lang="en-GB" sz="2133" i="1" dirty="0">
+              <a:latin typeface="EC Square Sans Cond Pro" panose="020B0506040000020004" pitchFamily="34" charset="0"/>
+            </a:endParaRPr>
+          </a:p>
+        </p:txBody>
+      </p:sp>
     </p:spTree>
     <p:extLst>
       <p:ext uri="{BB962C8B-B14F-4D97-AF65-F5344CB8AC3E}">
